--- a/computerScience/hard disc.pptx
+++ b/computerScience/hard disc.pptx
@@ -2,18 +2,21 @@
 <file path=ppt/presentation.xml><?xml version="1.0" encoding="utf-8"?>
 <p:presentation xmlns:a="http://schemas.openxmlformats.org/drawingml/2006/main" xmlns:r="http://schemas.openxmlformats.org/officeDocument/2006/relationships" xmlns:p="http://schemas.openxmlformats.org/presentationml/2006/main" saveSubsetFonts="1">
   <p:sldMasterIdLst>
-    <p:sldMasterId id="2147483660" r:id="rId1"/>
+    <p:sldMasterId id="2147483720" r:id="rId1"/>
   </p:sldMasterIdLst>
   <p:sldIdLst>
     <p:sldId id="256" r:id="rId2"/>
     <p:sldId id="257" r:id="rId3"/>
-    <p:sldId id="261" r:id="rId4"/>
-    <p:sldId id="258" r:id="rId5"/>
-    <p:sldId id="262" r:id="rId6"/>
-    <p:sldId id="259" r:id="rId7"/>
-    <p:sldId id="263" r:id="rId8"/>
-    <p:sldId id="264" r:id="rId9"/>
-    <p:sldId id="260" r:id="rId10"/>
+    <p:sldId id="265" r:id="rId4"/>
+    <p:sldId id="267" r:id="rId5"/>
+    <p:sldId id="264" r:id="rId6"/>
+    <p:sldId id="258" r:id="rId7"/>
+    <p:sldId id="270" r:id="rId8"/>
+    <p:sldId id="259" r:id="rId9"/>
+    <p:sldId id="272" r:id="rId10"/>
+    <p:sldId id="263" r:id="rId11"/>
+    <p:sldId id="273" r:id="rId12"/>
+    <p:sldId id="260" r:id="rId13"/>
   </p:sldIdLst>
   <p:sldSz cx="12192000" cy="6858000"/>
   <p:notesSz cx="6858000" cy="9144000"/>
@@ -112,6 +115,11 @@
       </a:defRPr>
     </a:lvl9pPr>
   </p:defaultTextStyle>
+  <p:extLst>
+    <p:ext uri="{EFAFB233-063F-42B5-8137-9DF3F51BA10A}">
+      <p15:sldGuideLst xmlns:p15="http://schemas.microsoft.com/office/powerpoint/2012/main"/>
+    </p:ext>
+  </p:extLst>
 </p:presentation>
 </file>
 
@@ -250,7 +258,7 @@
           <a:p>
             <a:fld id="{99403685-EB6D-47BD-BAA1-A30DF7E937F4}" type="datetimeFigureOut">
               <a:rPr lang="zh-CN" altLang="en-US" smtClean="0"/>
-              <a:t>2017/11/26</a:t>
+              <a:t>2017/11/28</a:t>
             </a:fld>
             <a:endParaRPr lang="zh-CN" altLang="en-US"/>
           </a:p>
@@ -301,7 +309,7 @@
     </p:spTree>
     <p:extLst>
       <p:ext uri="{BB962C8B-B14F-4D97-AF65-F5344CB8AC3E}">
-        <p14:creationId xmlns:p14="http://schemas.microsoft.com/office/powerpoint/2010/main" val="396037807"/>
+        <p14:creationId xmlns:p14="http://schemas.microsoft.com/office/powerpoint/2010/main" val="585403949"/>
       </p:ext>
     </p:extLst>
   </p:cSld>
@@ -420,7 +428,7 @@
           <a:p>
             <a:fld id="{99403685-EB6D-47BD-BAA1-A30DF7E937F4}" type="datetimeFigureOut">
               <a:rPr lang="zh-CN" altLang="en-US" smtClean="0"/>
-              <a:t>2017/11/26</a:t>
+              <a:t>2017/11/28</a:t>
             </a:fld>
             <a:endParaRPr lang="zh-CN" altLang="en-US"/>
           </a:p>
@@ -471,7 +479,7 @@
     </p:spTree>
     <p:extLst>
       <p:ext uri="{BB962C8B-B14F-4D97-AF65-F5344CB8AC3E}">
-        <p14:creationId xmlns:p14="http://schemas.microsoft.com/office/powerpoint/2010/main" val="436047262"/>
+        <p14:creationId xmlns:p14="http://schemas.microsoft.com/office/powerpoint/2010/main" val="675620288"/>
       </p:ext>
     </p:extLst>
   </p:cSld>
@@ -600,7 +608,7 @@
           <a:p>
             <a:fld id="{99403685-EB6D-47BD-BAA1-A30DF7E937F4}" type="datetimeFigureOut">
               <a:rPr lang="zh-CN" altLang="en-US" smtClean="0"/>
-              <a:t>2017/11/26</a:t>
+              <a:t>2017/11/28</a:t>
             </a:fld>
             <a:endParaRPr lang="zh-CN" altLang="en-US"/>
           </a:p>
@@ -651,7 +659,7 @@
     </p:spTree>
     <p:extLst>
       <p:ext uri="{BB962C8B-B14F-4D97-AF65-F5344CB8AC3E}">
-        <p14:creationId xmlns:p14="http://schemas.microsoft.com/office/powerpoint/2010/main" val="1631673938"/>
+        <p14:creationId xmlns:p14="http://schemas.microsoft.com/office/powerpoint/2010/main" val="3625623352"/>
       </p:ext>
     </p:extLst>
   </p:cSld>
@@ -770,7 +778,7 @@
           <a:p>
             <a:fld id="{99403685-EB6D-47BD-BAA1-A30DF7E937F4}" type="datetimeFigureOut">
               <a:rPr lang="zh-CN" altLang="en-US" smtClean="0"/>
-              <a:t>2017/11/26</a:t>
+              <a:t>2017/11/28</a:t>
             </a:fld>
             <a:endParaRPr lang="zh-CN" altLang="en-US"/>
           </a:p>
@@ -821,7 +829,7 @@
     </p:spTree>
     <p:extLst>
       <p:ext uri="{BB962C8B-B14F-4D97-AF65-F5344CB8AC3E}">
-        <p14:creationId xmlns:p14="http://schemas.microsoft.com/office/powerpoint/2010/main" val="268990065"/>
+        <p14:creationId xmlns:p14="http://schemas.microsoft.com/office/powerpoint/2010/main" val="2733990650"/>
       </p:ext>
     </p:extLst>
   </p:cSld>
@@ -1016,7 +1024,7 @@
           <a:p>
             <a:fld id="{99403685-EB6D-47BD-BAA1-A30DF7E937F4}" type="datetimeFigureOut">
               <a:rPr lang="zh-CN" altLang="en-US" smtClean="0"/>
-              <a:t>2017/11/26</a:t>
+              <a:t>2017/11/28</a:t>
             </a:fld>
             <a:endParaRPr lang="zh-CN" altLang="en-US"/>
           </a:p>
@@ -1067,7 +1075,7 @@
     </p:spTree>
     <p:extLst>
       <p:ext uri="{BB962C8B-B14F-4D97-AF65-F5344CB8AC3E}">
-        <p14:creationId xmlns:p14="http://schemas.microsoft.com/office/powerpoint/2010/main" val="2768580320"/>
+        <p14:creationId xmlns:p14="http://schemas.microsoft.com/office/powerpoint/2010/main" val="858314130"/>
       </p:ext>
     </p:extLst>
   </p:cSld>
@@ -1248,7 +1256,7 @@
           <a:p>
             <a:fld id="{99403685-EB6D-47BD-BAA1-A30DF7E937F4}" type="datetimeFigureOut">
               <a:rPr lang="zh-CN" altLang="en-US" smtClean="0"/>
-              <a:t>2017/11/26</a:t>
+              <a:t>2017/11/28</a:t>
             </a:fld>
             <a:endParaRPr lang="zh-CN" altLang="en-US"/>
           </a:p>
@@ -1299,7 +1307,7 @@
     </p:spTree>
     <p:extLst>
       <p:ext uri="{BB962C8B-B14F-4D97-AF65-F5344CB8AC3E}">
-        <p14:creationId xmlns:p14="http://schemas.microsoft.com/office/powerpoint/2010/main" val="3145745619"/>
+        <p14:creationId xmlns:p14="http://schemas.microsoft.com/office/powerpoint/2010/main" val="3647600602"/>
       </p:ext>
     </p:extLst>
   </p:cSld>
@@ -1615,7 +1623,7 @@
           <a:p>
             <a:fld id="{99403685-EB6D-47BD-BAA1-A30DF7E937F4}" type="datetimeFigureOut">
               <a:rPr lang="zh-CN" altLang="en-US" smtClean="0"/>
-              <a:t>2017/11/26</a:t>
+              <a:t>2017/11/28</a:t>
             </a:fld>
             <a:endParaRPr lang="zh-CN" altLang="en-US"/>
           </a:p>
@@ -1666,7 +1674,7 @@
     </p:spTree>
     <p:extLst>
       <p:ext uri="{BB962C8B-B14F-4D97-AF65-F5344CB8AC3E}">
-        <p14:creationId xmlns:p14="http://schemas.microsoft.com/office/powerpoint/2010/main" val="57222300"/>
+        <p14:creationId xmlns:p14="http://schemas.microsoft.com/office/powerpoint/2010/main" val="2896897914"/>
       </p:ext>
     </p:extLst>
   </p:cSld>
@@ -1733,7 +1741,7 @@
           <a:p>
             <a:fld id="{99403685-EB6D-47BD-BAA1-A30DF7E937F4}" type="datetimeFigureOut">
               <a:rPr lang="zh-CN" altLang="en-US" smtClean="0"/>
-              <a:t>2017/11/26</a:t>
+              <a:t>2017/11/28</a:t>
             </a:fld>
             <a:endParaRPr lang="zh-CN" altLang="en-US"/>
           </a:p>
@@ -1784,7 +1792,7 @@
     </p:spTree>
     <p:extLst>
       <p:ext uri="{BB962C8B-B14F-4D97-AF65-F5344CB8AC3E}">
-        <p14:creationId xmlns:p14="http://schemas.microsoft.com/office/powerpoint/2010/main" val="1520691147"/>
+        <p14:creationId xmlns:p14="http://schemas.microsoft.com/office/powerpoint/2010/main" val="3943769987"/>
       </p:ext>
     </p:extLst>
   </p:cSld>
@@ -1828,7 +1836,7 @@
           <a:p>
             <a:fld id="{99403685-EB6D-47BD-BAA1-A30DF7E937F4}" type="datetimeFigureOut">
               <a:rPr lang="zh-CN" altLang="en-US" smtClean="0"/>
-              <a:t>2017/11/26</a:t>
+              <a:t>2017/11/28</a:t>
             </a:fld>
             <a:endParaRPr lang="zh-CN" altLang="en-US"/>
           </a:p>
@@ -1879,7 +1887,7 @@
     </p:spTree>
     <p:extLst>
       <p:ext uri="{BB962C8B-B14F-4D97-AF65-F5344CB8AC3E}">
-        <p14:creationId xmlns:p14="http://schemas.microsoft.com/office/powerpoint/2010/main" val="1098918662"/>
+        <p14:creationId xmlns:p14="http://schemas.microsoft.com/office/powerpoint/2010/main" val="65770975"/>
       </p:ext>
     </p:extLst>
   </p:cSld>
@@ -2105,7 +2113,7 @@
           <a:p>
             <a:fld id="{99403685-EB6D-47BD-BAA1-A30DF7E937F4}" type="datetimeFigureOut">
               <a:rPr lang="zh-CN" altLang="en-US" smtClean="0"/>
-              <a:t>2017/11/26</a:t>
+              <a:t>2017/11/28</a:t>
             </a:fld>
             <a:endParaRPr lang="zh-CN" altLang="en-US"/>
           </a:p>
@@ -2156,7 +2164,7 @@
     </p:spTree>
     <p:extLst>
       <p:ext uri="{BB962C8B-B14F-4D97-AF65-F5344CB8AC3E}">
-        <p14:creationId xmlns:p14="http://schemas.microsoft.com/office/powerpoint/2010/main" val="2547157586"/>
+        <p14:creationId xmlns:p14="http://schemas.microsoft.com/office/powerpoint/2010/main" val="1950154091"/>
       </p:ext>
     </p:extLst>
   </p:cSld>
@@ -2362,7 +2370,7 @@
           <a:p>
             <a:fld id="{99403685-EB6D-47BD-BAA1-A30DF7E937F4}" type="datetimeFigureOut">
               <a:rPr lang="zh-CN" altLang="en-US" smtClean="0"/>
-              <a:t>2017/11/26</a:t>
+              <a:t>2017/11/28</a:t>
             </a:fld>
             <a:endParaRPr lang="zh-CN" altLang="en-US"/>
           </a:p>
@@ -2413,7 +2421,7 @@
     </p:spTree>
     <p:extLst>
       <p:ext uri="{BB962C8B-B14F-4D97-AF65-F5344CB8AC3E}">
-        <p14:creationId xmlns:p14="http://schemas.microsoft.com/office/powerpoint/2010/main" val="3931396137"/>
+        <p14:creationId xmlns:p14="http://schemas.microsoft.com/office/powerpoint/2010/main" val="2384862066"/>
       </p:ext>
     </p:extLst>
   </p:cSld>
@@ -2575,7 +2583,7 @@
           <a:p>
             <a:fld id="{99403685-EB6D-47BD-BAA1-A30DF7E937F4}" type="datetimeFigureOut">
               <a:rPr lang="zh-CN" altLang="en-US" smtClean="0"/>
-              <a:t>2017/11/26</a:t>
+              <a:t>2017/11/28</a:t>
             </a:fld>
             <a:endParaRPr lang="zh-CN" altLang="en-US"/>
           </a:p>
@@ -2662,23 +2670,23 @@
     </p:spTree>
     <p:extLst>
       <p:ext uri="{BB962C8B-B14F-4D97-AF65-F5344CB8AC3E}">
-        <p14:creationId xmlns:p14="http://schemas.microsoft.com/office/powerpoint/2010/main" val="458052790"/>
+        <p14:creationId xmlns:p14="http://schemas.microsoft.com/office/powerpoint/2010/main" val="461294952"/>
       </p:ext>
     </p:extLst>
   </p:cSld>
-  <p:clrMap bg1="dk1" tx1="lt1" bg2="dk2" tx2="lt2" accent1="accent1" accent2="accent2" accent3="accent3" accent4="accent4" accent5="accent5" accent6="accent6" hlink="hlink" folHlink="folHlink"/>
+  <p:clrMap bg1="lt1" tx1="dk1" bg2="lt2" tx2="dk2" accent1="accent1" accent2="accent2" accent3="accent3" accent4="accent4" accent5="accent5" accent6="accent6" hlink="hlink" folHlink="folHlink"/>
   <p:sldLayoutIdLst>
-    <p:sldLayoutId id="2147483661" r:id="rId1"/>
-    <p:sldLayoutId id="2147483662" r:id="rId2"/>
-    <p:sldLayoutId id="2147483663" r:id="rId3"/>
-    <p:sldLayoutId id="2147483664" r:id="rId4"/>
-    <p:sldLayoutId id="2147483665" r:id="rId5"/>
-    <p:sldLayoutId id="2147483666" r:id="rId6"/>
-    <p:sldLayoutId id="2147483667" r:id="rId7"/>
-    <p:sldLayoutId id="2147483668" r:id="rId8"/>
-    <p:sldLayoutId id="2147483669" r:id="rId9"/>
-    <p:sldLayoutId id="2147483670" r:id="rId10"/>
-    <p:sldLayoutId id="2147483671" r:id="rId11"/>
+    <p:sldLayoutId id="2147483721" r:id="rId1"/>
+    <p:sldLayoutId id="2147483722" r:id="rId2"/>
+    <p:sldLayoutId id="2147483723" r:id="rId3"/>
+    <p:sldLayoutId id="2147483724" r:id="rId4"/>
+    <p:sldLayoutId id="2147483725" r:id="rId5"/>
+    <p:sldLayoutId id="2147483726" r:id="rId6"/>
+    <p:sldLayoutId id="2147483727" r:id="rId7"/>
+    <p:sldLayoutId id="2147483728" r:id="rId8"/>
+    <p:sldLayoutId id="2147483729" r:id="rId9"/>
+    <p:sldLayoutId id="2147483730" r:id="rId10"/>
+    <p:sldLayoutId id="2147483731" r:id="rId11"/>
   </p:sldLayoutIdLst>
   <p:txStyles>
     <p:titleStyle>
@@ -2966,6 +2974,14 @@
 <file path=ppt/slides/slide1.xml><?xml version="1.0" encoding="utf-8"?>
 <p:sld xmlns:a="http://schemas.openxmlformats.org/drawingml/2006/main" xmlns:r="http://schemas.openxmlformats.org/officeDocument/2006/relationships" xmlns:p="http://schemas.openxmlformats.org/presentationml/2006/main">
   <p:cSld>
+    <p:bg>
+      <p:bgPr>
+        <a:solidFill>
+          <a:schemeClr val="tx1"/>
+        </a:solidFill>
+        <a:effectLst/>
+      </p:bgPr>
+    </p:bg>
     <p:spTree>
       <p:nvGrpSpPr>
         <p:cNvPr id="1" name=""/>
@@ -3002,10 +3018,18 @@
           <a:lstStyle/>
           <a:p>
             <a:r>
-              <a:rPr lang="en-US" altLang="zh-CN" dirty="0"/>
-              <a:t>Hard disc</a:t>
-            </a:r>
-            <a:endParaRPr lang="zh-CN" altLang="en-US" dirty="0"/>
+              <a:rPr lang="en-US" altLang="zh-CN" dirty="0">
+                <a:solidFill>
+                  <a:schemeClr val="bg1"/>
+                </a:solidFill>
+              </a:rPr>
+              <a:t>Hard disk</a:t>
+            </a:r>
+            <a:endParaRPr lang="zh-CN" altLang="en-US" dirty="0">
+              <a:solidFill>
+                <a:schemeClr val="bg1"/>
+              </a:solidFill>
+            </a:endParaRPr>
           </a:p>
         </p:txBody>
       </p:sp>
@@ -3031,22 +3055,38 @@
           <a:lstStyle/>
           <a:p>
             <a:r>
-              <a:rPr lang="en-US" altLang="zh-CN" dirty="0"/>
+              <a:rPr lang="en-US" altLang="zh-CN" dirty="0">
+                <a:solidFill>
+                  <a:schemeClr val="bg1"/>
+                </a:solidFill>
+              </a:rPr>
               <a:t>Michael 3778</a:t>
             </a:r>
           </a:p>
           <a:p>
             <a:r>
-              <a:rPr lang="en-US" altLang="zh-CN" dirty="0"/>
+              <a:rPr lang="en-US" altLang="zh-CN" dirty="0">
+                <a:solidFill>
+                  <a:schemeClr val="bg1"/>
+                </a:solidFill>
+              </a:rPr>
               <a:t>Kevin 3894</a:t>
             </a:r>
           </a:p>
           <a:p>
             <a:r>
-              <a:rPr lang="en-US" altLang="zh-CN" dirty="0"/>
-              <a:t>Gay 3769</a:t>
-            </a:r>
-            <a:endParaRPr lang="zh-CN" altLang="en-US" dirty="0"/>
+              <a:rPr lang="en-US" altLang="zh-CN" dirty="0">
+                <a:solidFill>
+                  <a:schemeClr val="bg1"/>
+                </a:solidFill>
+              </a:rPr>
+              <a:t>Garry 3769</a:t>
+            </a:r>
+            <a:endParaRPr lang="zh-CN" altLang="en-US" dirty="0">
+              <a:solidFill>
+                <a:schemeClr val="bg1"/>
+              </a:solidFill>
+            </a:endParaRPr>
           </a:p>
         </p:txBody>
       </p:sp>
@@ -3060,6 +3100,752 @@
   <p:clrMapOvr>
     <a:masterClrMapping/>
   </p:clrMapOvr>
+  <p:transition spd="slow">
+    <p:push dir="u"/>
+  </p:transition>
+</p:sld>
+</file>
+
+<file path=ppt/slides/slide10.xml><?xml version="1.0" encoding="utf-8"?>
+<p:sld xmlns:a="http://schemas.openxmlformats.org/drawingml/2006/main" xmlns:r="http://schemas.openxmlformats.org/officeDocument/2006/relationships" xmlns:p="http://schemas.openxmlformats.org/presentationml/2006/main">
+  <p:cSld>
+    <p:bg>
+      <p:bgPr>
+        <a:solidFill>
+          <a:schemeClr val="tx1"/>
+        </a:solidFill>
+        <a:effectLst/>
+      </p:bgPr>
+    </p:bg>
+    <p:spTree>
+      <p:nvGrpSpPr>
+        <p:cNvPr id="1" name=""/>
+        <p:cNvGrpSpPr/>
+        <p:nvPr/>
+      </p:nvGrpSpPr>
+      <p:grpSpPr>
+        <a:xfrm>
+          <a:off x="0" y="0"/>
+          <a:ext cx="0" cy="0"/>
+          <a:chOff x="0" y="0"/>
+          <a:chExt cx="0" cy="0"/>
+        </a:xfrm>
+      </p:grpSpPr>
+      <p:pic>
+        <p:nvPicPr>
+          <p:cNvPr id="1026" name="Picture 2" descr="“hard disk”的图片搜索结果">
+            <a:extLst>
+              <a:ext uri="{FF2B5EF4-FFF2-40B4-BE49-F238E27FC236}">
+                <a16:creationId xmlns:a16="http://schemas.microsoft.com/office/drawing/2014/main" id="{6EF66394-E690-4147-85D8-6768D9FAADC0}"/>
+              </a:ext>
+            </a:extLst>
+          </p:cNvPr>
+          <p:cNvPicPr>
+            <a:picLocks noChangeAspect="1" noChangeArrowheads="1"/>
+          </p:cNvPicPr>
+          <p:nvPr/>
+        </p:nvPicPr>
+        <p:blipFill>
+          <a:blip r:embed="rId2">
+            <a:extLst>
+              <a:ext uri="{28A0092B-C50C-407E-A947-70E740481C1C}">
+                <a14:useLocalDpi xmlns:a14="http://schemas.microsoft.com/office/drawing/2010/main" val="0"/>
+              </a:ext>
+            </a:extLst>
+          </a:blip>
+          <a:srcRect/>
+          <a:stretch>
+            <a:fillRect/>
+          </a:stretch>
+        </p:blipFill>
+        <p:spPr bwMode="auto">
+          <a:xfrm>
+            <a:off x="5291091" y="1466363"/>
+            <a:ext cx="6062709" cy="5069861"/>
+          </a:xfrm>
+          <a:prstGeom prst="rect">
+            <a:avLst/>
+          </a:prstGeom>
+          <a:noFill/>
+          <a:extLst>
+            <a:ext uri="{909E8E84-426E-40DD-AFC4-6F175D3DCCD1}">
+              <a14:hiddenFill xmlns:a14="http://schemas.microsoft.com/office/drawing/2010/main">
+                <a:solidFill>
+                  <a:srgbClr val="FFFFFF"/>
+                </a:solidFill>
+              </a14:hiddenFill>
+            </a:ext>
+          </a:extLst>
+        </p:spPr>
+      </p:pic>
+      <p:sp>
+        <p:nvSpPr>
+          <p:cNvPr id="2" name="标题 1">
+            <a:extLst>
+              <a:ext uri="{FF2B5EF4-FFF2-40B4-BE49-F238E27FC236}">
+                <a16:creationId xmlns:a16="http://schemas.microsoft.com/office/drawing/2014/main" id="{580750D2-47BB-4A66-9087-7C645E565742}"/>
+              </a:ext>
+            </a:extLst>
+          </p:cNvPr>
+          <p:cNvSpPr>
+            <a:spLocks noGrp="1"/>
+          </p:cNvSpPr>
+          <p:nvPr>
+            <p:ph type="title"/>
+          </p:nvPr>
+        </p:nvSpPr>
+        <p:spPr/>
+        <p:txBody>
+          <a:bodyPr/>
+          <a:lstStyle/>
+          <a:p>
+            <a:r>
+              <a:rPr lang="en-US" altLang="zh-CN" dirty="0">
+                <a:solidFill>
+                  <a:schemeClr val="bg1"/>
+                </a:solidFill>
+              </a:rPr>
+              <a:t>How does hard disk work</a:t>
+            </a:r>
+            <a:endParaRPr lang="zh-CN" altLang="en-US" dirty="0">
+              <a:solidFill>
+                <a:schemeClr val="bg1"/>
+              </a:solidFill>
+            </a:endParaRPr>
+          </a:p>
+        </p:txBody>
+      </p:sp>
+      <p:sp>
+        <p:nvSpPr>
+          <p:cNvPr id="3" name="内容占位符 2">
+            <a:extLst>
+              <a:ext uri="{FF2B5EF4-FFF2-40B4-BE49-F238E27FC236}">
+                <a16:creationId xmlns:a16="http://schemas.microsoft.com/office/drawing/2014/main" id="{A679E0A6-F1A2-4FDF-9147-FAB94D484436}"/>
+              </a:ext>
+            </a:extLst>
+          </p:cNvPr>
+          <p:cNvSpPr>
+            <a:spLocks noGrp="1"/>
+          </p:cNvSpPr>
+          <p:nvPr>
+            <p:ph idx="1"/>
+          </p:nvPr>
+        </p:nvSpPr>
+        <p:spPr>
+          <a:xfrm>
+            <a:off x="838200" y="1825625"/>
+            <a:ext cx="4062274" cy="4351338"/>
+          </a:xfrm>
+        </p:spPr>
+        <p:txBody>
+          <a:bodyPr/>
+          <a:lstStyle/>
+          <a:p>
+            <a:r>
+              <a:rPr lang="en-US" altLang="zh-CN" dirty="0">
+                <a:solidFill>
+                  <a:schemeClr val="bg1"/>
+                </a:solidFill>
+              </a:rPr>
+              <a:t>The disk is separated into many small layers, each layer has a magnetic head in order to write/read</a:t>
+            </a:r>
+            <a:endParaRPr lang="zh-CN" altLang="en-US" dirty="0">
+              <a:solidFill>
+                <a:schemeClr val="bg1"/>
+              </a:solidFill>
+            </a:endParaRPr>
+          </a:p>
+        </p:txBody>
+      </p:sp>
+    </p:spTree>
+    <p:extLst>
+      <p:ext uri="{BB962C8B-B14F-4D97-AF65-F5344CB8AC3E}">
+        <p14:creationId xmlns:p14="http://schemas.microsoft.com/office/powerpoint/2010/main" val="2478397498"/>
+      </p:ext>
+    </p:extLst>
+  </p:cSld>
+  <p:clrMapOvr>
+    <a:masterClrMapping/>
+  </p:clrMapOvr>
+  <mc:AlternateContent xmlns:mc="http://schemas.openxmlformats.org/markup-compatibility/2006" xmlns:p14="http://schemas.microsoft.com/office/powerpoint/2010/main">
+    <mc:Choice Requires="p14">
+      <p:transition spd="slow" p14:dur="1600">
+        <p14:gallery dir="l"/>
+      </p:transition>
+    </mc:Choice>
+    <mc:Fallback xmlns="">
+      <p:transition spd="slow">
+        <p:fade/>
+      </p:transition>
+    </mc:Fallback>
+  </mc:AlternateContent>
+  <p:timing>
+    <p:tnLst>
+      <p:par>
+        <p:cTn id="1" dur="indefinite" restart="never" nodeType="tmRoot">
+          <p:childTnLst>
+            <p:seq concurrent="1" nextAc="seek">
+              <p:cTn id="2" dur="indefinite" nodeType="mainSeq">
+                <p:childTnLst>
+                  <p:par>
+                    <p:cTn id="3" fill="hold">
+                      <p:stCondLst>
+                        <p:cond delay="indefinite"/>
+                      </p:stCondLst>
+                      <p:childTnLst>
+                        <p:par>
+                          <p:cTn id="4" fill="hold">
+                            <p:stCondLst>
+                              <p:cond delay="0"/>
+                            </p:stCondLst>
+                            <p:childTnLst>
+                              <p:par>
+                                <p:cTn id="5" presetID="2" presetClass="entr" presetSubtype="4" fill="hold" nodeType="clickEffect">
+                                  <p:stCondLst>
+                                    <p:cond delay="0"/>
+                                  </p:stCondLst>
+                                  <p:childTnLst>
+                                    <p:set>
+                                      <p:cBhvr>
+                                        <p:cTn id="6" dur="1" fill="hold">
+                                          <p:stCondLst>
+                                            <p:cond delay="0"/>
+                                          </p:stCondLst>
+                                        </p:cTn>
+                                        <p:tgtEl>
+                                          <p:spTgt spid="1026"/>
+                                        </p:tgtEl>
+                                        <p:attrNameLst>
+                                          <p:attrName>style.visibility</p:attrName>
+                                        </p:attrNameLst>
+                                      </p:cBhvr>
+                                      <p:to>
+                                        <p:strVal val="visible"/>
+                                      </p:to>
+                                    </p:set>
+                                    <p:anim calcmode="lin" valueType="num">
+                                      <p:cBhvr additive="base">
+                                        <p:cTn id="7" dur="500" fill="hold"/>
+                                        <p:tgtEl>
+                                          <p:spTgt spid="1026"/>
+                                        </p:tgtEl>
+                                        <p:attrNameLst>
+                                          <p:attrName>ppt_x</p:attrName>
+                                        </p:attrNameLst>
+                                      </p:cBhvr>
+                                      <p:tavLst>
+                                        <p:tav tm="0">
+                                          <p:val>
+                                            <p:strVal val="#ppt_x"/>
+                                          </p:val>
+                                        </p:tav>
+                                        <p:tav tm="100000">
+                                          <p:val>
+                                            <p:strVal val="#ppt_x"/>
+                                          </p:val>
+                                        </p:tav>
+                                      </p:tavLst>
+                                    </p:anim>
+                                    <p:anim calcmode="lin" valueType="num">
+                                      <p:cBhvr additive="base">
+                                        <p:cTn id="8" dur="500" fill="hold"/>
+                                        <p:tgtEl>
+                                          <p:spTgt spid="1026"/>
+                                        </p:tgtEl>
+                                        <p:attrNameLst>
+                                          <p:attrName>ppt_y</p:attrName>
+                                        </p:attrNameLst>
+                                      </p:cBhvr>
+                                      <p:tavLst>
+                                        <p:tav tm="0">
+                                          <p:val>
+                                            <p:strVal val="1+#ppt_h/2"/>
+                                          </p:val>
+                                        </p:tav>
+                                        <p:tav tm="100000">
+                                          <p:val>
+                                            <p:strVal val="#ppt_y"/>
+                                          </p:val>
+                                        </p:tav>
+                                      </p:tavLst>
+                                    </p:anim>
+                                  </p:childTnLst>
+                                </p:cTn>
+                              </p:par>
+                              <p:par>
+                                <p:cTn id="9" presetID="38" presetClass="entr" presetSubtype="0" accel="50000" fill="hold" grpId="0" nodeType="withEffect">
+                                  <p:stCondLst>
+                                    <p:cond delay="0"/>
+                                  </p:stCondLst>
+                                  <p:iterate type="lt">
+                                    <p:tmPct val="48042"/>
+                                  </p:iterate>
+                                  <p:childTnLst>
+                                    <p:set>
+                                      <p:cBhvr>
+                                        <p:cTn id="10" dur="1" fill="hold">
+                                          <p:stCondLst>
+                                            <p:cond delay="0"/>
+                                          </p:stCondLst>
+                                        </p:cTn>
+                                        <p:tgtEl>
+                                          <p:spTgt spid="3">
+                                            <p:txEl>
+                                              <p:pRg st="0" end="0"/>
+                                            </p:txEl>
+                                          </p:spTgt>
+                                        </p:tgtEl>
+                                        <p:attrNameLst>
+                                          <p:attrName>style.visibility</p:attrName>
+                                        </p:attrNameLst>
+                                      </p:cBhvr>
+                                      <p:to>
+                                        <p:strVal val="visible"/>
+                                      </p:to>
+                                    </p:set>
+                                    <p:set>
+                                      <p:cBhvr>
+                                        <p:cTn id="11" dur="5" fill="hold">
+                                          <p:stCondLst>
+                                            <p:cond delay="0"/>
+                                          </p:stCondLst>
+                                        </p:cTn>
+                                        <p:tgtEl>
+                                          <p:spTgt spid="3">
+                                            <p:txEl>
+                                              <p:pRg st="0" end="0"/>
+                                            </p:txEl>
+                                          </p:spTgt>
+                                        </p:tgtEl>
+                                        <p:attrNameLst>
+                                          <p:attrName>style.rotation</p:attrName>
+                                        </p:attrNameLst>
+                                      </p:cBhvr>
+                                      <p:to>
+                                        <p:strVal val="-45.0"/>
+                                      </p:to>
+                                    </p:set>
+                                    <p:anim calcmode="lin" valueType="num">
+                                      <p:cBhvr>
+                                        <p:cTn id="12" dur="5" fill="hold">
+                                          <p:stCondLst>
+                                            <p:cond delay="5"/>
+                                          </p:stCondLst>
+                                        </p:cTn>
+                                        <p:tgtEl>
+                                          <p:spTgt spid="3">
+                                            <p:txEl>
+                                              <p:pRg st="0" end="0"/>
+                                            </p:txEl>
+                                          </p:spTgt>
+                                        </p:tgtEl>
+                                        <p:attrNameLst>
+                                          <p:attrName>style.rotation</p:attrName>
+                                        </p:attrNameLst>
+                                      </p:cBhvr>
+                                      <p:tavLst>
+                                        <p:tav tm="0">
+                                          <p:val>
+                                            <p:fltVal val="-45"/>
+                                          </p:val>
+                                        </p:tav>
+                                        <p:tav tm="69900">
+                                          <p:val>
+                                            <p:fltVal val="45"/>
+                                          </p:val>
+                                        </p:tav>
+                                        <p:tav tm="100000">
+                                          <p:val>
+                                            <p:fltVal val="0"/>
+                                          </p:val>
+                                        </p:tav>
+                                      </p:tavLst>
+                                    </p:anim>
+                                    <p:anim calcmode="lin" valueType="num">
+                                      <p:cBhvr>
+                                        <p:cTn id="13" dur="5" fill="hold">
+                                          <p:stCondLst>
+                                            <p:cond delay="0"/>
+                                          </p:stCondLst>
+                                        </p:cTn>
+                                        <p:tgtEl>
+                                          <p:spTgt spid="3">
+                                            <p:txEl>
+                                              <p:pRg st="0" end="0"/>
+                                            </p:txEl>
+                                          </p:spTgt>
+                                        </p:tgtEl>
+                                        <p:attrNameLst>
+                                          <p:attrName>ppt_y</p:attrName>
+                                        </p:attrNameLst>
+                                      </p:cBhvr>
+                                      <p:tavLst>
+                                        <p:tav tm="0">
+                                          <p:val>
+                                            <p:strVal val="#ppt_y-1"/>
+                                          </p:val>
+                                        </p:tav>
+                                        <p:tav tm="100000">
+                                          <p:val>
+                                            <p:strVal val="#ppt_y-(0.354*#ppt_w-0.172*#ppt_h)"/>
+                                          </p:val>
+                                        </p:tav>
+                                      </p:tavLst>
+                                    </p:anim>
+                                    <p:anim calcmode="lin" valueType="num">
+                                      <p:cBhvr>
+                                        <p:cTn id="14" dur="2" decel="50000" autoRev="1" fill="hold">
+                                          <p:stCondLst>
+                                            <p:cond delay="5"/>
+                                          </p:stCondLst>
+                                        </p:cTn>
+                                        <p:tgtEl>
+                                          <p:spTgt spid="3">
+                                            <p:txEl>
+                                              <p:pRg st="0" end="0"/>
+                                            </p:txEl>
+                                          </p:spTgt>
+                                        </p:tgtEl>
+                                        <p:attrNameLst>
+                                          <p:attrName>ppt_y</p:attrName>
+                                        </p:attrNameLst>
+                                      </p:cBhvr>
+                                      <p:tavLst>
+                                        <p:tav tm="0">
+                                          <p:val>
+                                            <p:strVal val="#ppt_y-(0.354*#ppt_w-0.172*#ppt_h)"/>
+                                          </p:val>
+                                        </p:tav>
+                                        <p:tav tm="100000">
+                                          <p:val>
+                                            <p:strVal val="#ppt_y-(0.354*#ppt_w-0.172*#ppt_h)-#ppt_h/2"/>
+                                          </p:val>
+                                        </p:tav>
+                                      </p:tavLst>
+                                    </p:anim>
+                                    <p:anim calcmode="lin" valueType="num">
+                                      <p:cBhvr>
+                                        <p:cTn id="15" dur="1" fill="hold">
+                                          <p:stCondLst>
+                                            <p:cond delay="9"/>
+                                          </p:stCondLst>
+                                        </p:cTn>
+                                        <p:tgtEl>
+                                          <p:spTgt spid="3">
+                                            <p:txEl>
+                                              <p:pRg st="0" end="0"/>
+                                            </p:txEl>
+                                          </p:spTgt>
+                                        </p:tgtEl>
+                                        <p:attrNameLst>
+                                          <p:attrName>ppt_y</p:attrName>
+                                        </p:attrNameLst>
+                                      </p:cBhvr>
+                                      <p:tavLst>
+                                        <p:tav tm="0">
+                                          <p:val>
+                                            <p:strVal val="#ppt_y-(0.354*#ppt_w-0.172*#ppt_h)"/>
+                                          </p:val>
+                                        </p:tav>
+                                        <p:tav tm="100000">
+                                          <p:val>
+                                            <p:strVal val="#ppt_y"/>
+                                          </p:val>
+                                        </p:tav>
+                                      </p:tavLst>
+                                    </p:anim>
+                                  </p:childTnLst>
+                                </p:cTn>
+                              </p:par>
+                            </p:childTnLst>
+                          </p:cTn>
+                        </p:par>
+                      </p:childTnLst>
+                    </p:cTn>
+                  </p:par>
+                </p:childTnLst>
+              </p:cTn>
+              <p:prevCondLst>
+                <p:cond evt="onPrev" delay="0">
+                  <p:tgtEl>
+                    <p:sldTgt/>
+                  </p:tgtEl>
+                </p:cond>
+              </p:prevCondLst>
+              <p:nextCondLst>
+                <p:cond evt="onNext" delay="0">
+                  <p:tgtEl>
+                    <p:sldTgt/>
+                  </p:tgtEl>
+                </p:cond>
+              </p:nextCondLst>
+            </p:seq>
+          </p:childTnLst>
+        </p:cTn>
+      </p:par>
+    </p:tnLst>
+    <p:bldLst>
+      <p:bldP spid="3" grpId="0" build="p"/>
+    </p:bldLst>
+  </p:timing>
+</p:sld>
+</file>
+
+<file path=ppt/slides/slide11.xml><?xml version="1.0" encoding="utf-8"?>
+<p:sld xmlns:a="http://schemas.openxmlformats.org/drawingml/2006/main" xmlns:r="http://schemas.openxmlformats.org/officeDocument/2006/relationships" xmlns:p="http://schemas.openxmlformats.org/presentationml/2006/main">
+  <p:cSld>
+    <p:spTree>
+      <p:nvGrpSpPr>
+        <p:cNvPr id="1" name=""/>
+        <p:cNvGrpSpPr/>
+        <p:nvPr/>
+      </p:nvGrpSpPr>
+      <p:grpSpPr>
+        <a:xfrm>
+          <a:off x="0" y="0"/>
+          <a:ext cx="0" cy="0"/>
+          <a:chOff x="0" y="0"/>
+          <a:chExt cx="0" cy="0"/>
+        </a:xfrm>
+      </p:grpSpPr>
+      <p:sp>
+        <p:nvSpPr>
+          <p:cNvPr id="2" name="标题 1">
+            <a:extLst>
+              <a:ext uri="{FF2B5EF4-FFF2-40B4-BE49-F238E27FC236}">
+                <a16:creationId xmlns:a16="http://schemas.microsoft.com/office/drawing/2014/main" id="{ECF5A476-A1D1-42A4-83AE-6E18DCAC9D88}"/>
+              </a:ext>
+            </a:extLst>
+          </p:cNvPr>
+          <p:cNvSpPr>
+            <a:spLocks noGrp="1"/>
+          </p:cNvSpPr>
+          <p:nvPr>
+            <p:ph type="title"/>
+          </p:nvPr>
+        </p:nvSpPr>
+        <p:spPr/>
+        <p:txBody>
+          <a:bodyPr/>
+          <a:lstStyle/>
+          <a:p>
+            <a:r>
+              <a:rPr lang="en-US" altLang="zh-CN" dirty="0"/>
+              <a:t>Reading and writing data</a:t>
+            </a:r>
+            <a:endParaRPr lang="zh-CN" altLang="en-US" dirty="0"/>
+          </a:p>
+        </p:txBody>
+      </p:sp>
+      <p:pic>
+        <p:nvPicPr>
+          <p:cNvPr id="3074" name="Picture 2" descr="相关图片">
+            <a:extLst>
+              <a:ext uri="{FF2B5EF4-FFF2-40B4-BE49-F238E27FC236}">
+                <a16:creationId xmlns:a16="http://schemas.microsoft.com/office/drawing/2014/main" id="{784757B8-7A67-4DED-B601-B99DAE926B5B}"/>
+              </a:ext>
+            </a:extLst>
+          </p:cNvPr>
+          <p:cNvPicPr>
+            <a:picLocks noGrp="1" noChangeAspect="1" noChangeArrowheads="1"/>
+          </p:cNvPicPr>
+          <p:nvPr>
+            <p:ph idx="1"/>
+          </p:nvPr>
+        </p:nvPicPr>
+        <p:blipFill>
+          <a:blip r:embed="rId2">
+            <a:extLst>
+              <a:ext uri="{28A0092B-C50C-407E-A947-70E740481C1C}">
+                <a14:useLocalDpi xmlns:a14="http://schemas.microsoft.com/office/drawing/2010/main" val="0"/>
+              </a:ext>
+            </a:extLst>
+          </a:blip>
+          <a:srcRect/>
+          <a:stretch>
+            <a:fillRect/>
+          </a:stretch>
+        </p:blipFill>
+        <p:spPr bwMode="auto">
+          <a:xfrm>
+            <a:off x="2494453" y="1690688"/>
+            <a:ext cx="7203094" cy="4624387"/>
+          </a:xfrm>
+          <a:prstGeom prst="rect">
+            <a:avLst/>
+          </a:prstGeom>
+          <a:noFill/>
+          <a:extLst>
+            <a:ext uri="{909E8E84-426E-40DD-AFC4-6F175D3DCCD1}">
+              <a14:hiddenFill xmlns:a14="http://schemas.microsoft.com/office/drawing/2010/main">
+                <a:solidFill>
+                  <a:srgbClr val="FFFFFF"/>
+                </a:solidFill>
+              </a14:hiddenFill>
+            </a:ext>
+          </a:extLst>
+        </p:spPr>
+      </p:pic>
+    </p:spTree>
+    <p:extLst>
+      <p:ext uri="{BB962C8B-B14F-4D97-AF65-F5344CB8AC3E}">
+        <p14:creationId xmlns:p14="http://schemas.microsoft.com/office/powerpoint/2010/main" val="235326211"/>
+      </p:ext>
+    </p:extLst>
+  </p:cSld>
+  <p:clrMapOvr>
+    <a:masterClrMapping/>
+  </p:clrMapOvr>
+  <mc:AlternateContent xmlns:mc="http://schemas.openxmlformats.org/markup-compatibility/2006" xmlns:p14="http://schemas.microsoft.com/office/powerpoint/2010/main">
+    <mc:Choice Requires="p14">
+      <p:transition spd="slow" p14:dur="1600">
+        <p14:prism isInverted="1"/>
+      </p:transition>
+    </mc:Choice>
+    <mc:Fallback xmlns="">
+      <p:transition spd="slow">
+        <p:fade/>
+      </p:transition>
+    </mc:Fallback>
+  </mc:AlternateContent>
+</p:sld>
+</file>
+
+<file path=ppt/slides/slide12.xml><?xml version="1.0" encoding="utf-8"?>
+<p:sld xmlns:a="http://schemas.openxmlformats.org/drawingml/2006/main" xmlns:r="http://schemas.openxmlformats.org/officeDocument/2006/relationships" xmlns:p="http://schemas.openxmlformats.org/presentationml/2006/main">
+  <p:cSld>
+    <p:bg>
+      <p:bgPr>
+        <a:solidFill>
+          <a:schemeClr val="tx1"/>
+        </a:solidFill>
+        <a:effectLst/>
+      </p:bgPr>
+    </p:bg>
+    <p:spTree>
+      <p:nvGrpSpPr>
+        <p:cNvPr id="1" name=""/>
+        <p:cNvGrpSpPr/>
+        <p:nvPr/>
+      </p:nvGrpSpPr>
+      <p:grpSpPr>
+        <a:xfrm>
+          <a:off x="0" y="0"/>
+          <a:ext cx="0" cy="0"/>
+          <a:chOff x="0" y="0"/>
+          <a:chExt cx="0" cy="0"/>
+        </a:xfrm>
+      </p:grpSpPr>
+      <p:sp>
+        <p:nvSpPr>
+          <p:cNvPr id="4" name="文本框 3">
+            <a:extLst>
+              <a:ext uri="{FF2B5EF4-FFF2-40B4-BE49-F238E27FC236}">
+                <a16:creationId xmlns:a16="http://schemas.microsoft.com/office/drawing/2014/main" id="{ED055D2C-3B83-4628-AC93-8511923F6635}"/>
+              </a:ext>
+            </a:extLst>
+          </p:cNvPr>
+          <p:cNvSpPr txBox="1"/>
+          <p:nvPr/>
+        </p:nvSpPr>
+        <p:spPr>
+          <a:xfrm>
+            <a:off x="1612776" y="2613919"/>
+            <a:ext cx="8966447" cy="1323439"/>
+          </a:xfrm>
+          <a:prstGeom prst="rect">
+            <a:avLst/>
+          </a:prstGeom>
+          <a:noFill/>
+        </p:spPr>
+        <p:txBody>
+          <a:bodyPr wrap="square" rtlCol="0">
+            <a:spAutoFit/>
+          </a:bodyPr>
+          <a:lstStyle/>
+          <a:p>
+            <a:r>
+              <a:rPr lang="en-US" altLang="zh-CN" sz="8000" dirty="0">
+                <a:solidFill>
+                  <a:schemeClr val="bg1"/>
+                </a:solidFill>
+              </a:rPr>
+              <a:t>Thanks for watching</a:t>
+            </a:r>
+            <a:endParaRPr lang="zh-CN" altLang="en-US" sz="8000" dirty="0">
+              <a:solidFill>
+                <a:schemeClr val="bg1"/>
+              </a:solidFill>
+            </a:endParaRPr>
+          </a:p>
+        </p:txBody>
+      </p:sp>
+      <p:sp>
+        <p:nvSpPr>
+          <p:cNvPr id="2" name="文本框 1">
+            <a:extLst>
+              <a:ext uri="{FF2B5EF4-FFF2-40B4-BE49-F238E27FC236}">
+                <a16:creationId xmlns:a16="http://schemas.microsoft.com/office/drawing/2014/main" id="{4EB29394-1439-4000-A24A-FB4333B8B399}"/>
+              </a:ext>
+            </a:extLst>
+          </p:cNvPr>
+          <p:cNvSpPr txBox="1"/>
+          <p:nvPr/>
+        </p:nvSpPr>
+        <p:spPr>
+          <a:xfrm>
+            <a:off x="7348130" y="6180495"/>
+            <a:ext cx="4453345" cy="338554"/>
+          </a:xfrm>
+          <a:prstGeom prst="rect">
+            <a:avLst/>
+          </a:prstGeom>
+          <a:noFill/>
+        </p:spPr>
+        <p:txBody>
+          <a:bodyPr wrap="square" rtlCol="0">
+            <a:spAutoFit/>
+          </a:bodyPr>
+          <a:lstStyle/>
+          <a:p>
+            <a:r>
+              <a:rPr lang="en-US" altLang="zh-CN" sz="1600" dirty="0">
+                <a:solidFill>
+                  <a:schemeClr val="bg1"/>
+                </a:solidFill>
+              </a:rPr>
+              <a:t>All pictures and information came from the internet</a:t>
+            </a:r>
+            <a:endParaRPr lang="zh-CN" altLang="en-US" sz="1600" dirty="0">
+              <a:solidFill>
+                <a:schemeClr val="bg1"/>
+              </a:solidFill>
+            </a:endParaRPr>
+          </a:p>
+        </p:txBody>
+      </p:sp>
+    </p:spTree>
+    <p:extLst>
+      <p:ext uri="{BB962C8B-B14F-4D97-AF65-F5344CB8AC3E}">
+        <p14:creationId xmlns:p14="http://schemas.microsoft.com/office/powerpoint/2010/main" val="789330875"/>
+      </p:ext>
+    </p:extLst>
+  </p:cSld>
+  <p:clrMapOvr>
+    <a:masterClrMapping/>
+  </p:clrMapOvr>
+  <mc:AlternateContent xmlns:mc="http://schemas.openxmlformats.org/markup-compatibility/2006" xmlns:p15="http://schemas.microsoft.com/office/powerpoint/2012/main">
+    <mc:Choice Requires="p15">
+      <p:transition xmlns:p14="http://schemas.microsoft.com/office/powerpoint/2010/main" spd="slow" p14:dur="2000">
+        <p15:prstTrans prst="drape"/>
+      </p:transition>
+    </mc:Choice>
+    <mc:Fallback xmlns="">
+      <p:transition spd="slow">
+        <p:fade/>
+      </p:transition>
+    </mc:Fallback>
+  </mc:AlternateContent>
 </p:sld>
 </file>
 
@@ -3103,7 +3889,7 @@
           <a:p>
             <a:r>
               <a:rPr lang="en-US" altLang="zh-CN" dirty="0"/>
-              <a:t>What is hard disc</a:t>
+              <a:t>What is a hard disk</a:t>
             </a:r>
             <a:endParaRPr lang="zh-CN" altLang="en-US" dirty="0"/>
           </a:p>
@@ -3125,15 +3911,74 @@
             <p:ph idx="1"/>
           </p:nvPr>
         </p:nvSpPr>
-        <p:spPr/>
-        <p:txBody>
-          <a:bodyPr/>
-          <a:lstStyle/>
-          <a:p>
-            <a:endParaRPr lang="zh-CN" altLang="en-US"/>
-          </a:p>
-        </p:txBody>
-      </p:sp>
+        <p:spPr>
+          <a:xfrm>
+            <a:off x="838200" y="1825625"/>
+            <a:ext cx="6982838" cy="4351338"/>
+          </a:xfrm>
+        </p:spPr>
+        <p:txBody>
+          <a:bodyPr>
+            <a:normAutofit/>
+          </a:bodyPr>
+          <a:lstStyle/>
+          <a:p>
+            <a:r>
+              <a:rPr lang="en-US" altLang="zh-CN" dirty="0"/>
+              <a:t>-  data stored in logical blocks</a:t>
+            </a:r>
+          </a:p>
+          <a:p>
+            <a:r>
+              <a:rPr lang="en-US" altLang="zh-CN" dirty="0"/>
+              <a:t>- often sized 512 bytes per block</a:t>
+            </a:r>
+          </a:p>
+          <a:p>
+            <a:r>
+              <a:rPr lang="en-US" altLang="zh-CN" dirty="0"/>
+              <a:t>- nowadays advanced knowledge increases to 4096 bytes per block</a:t>
+            </a:r>
+            <a:endParaRPr lang="zh-CN" altLang="en-US" dirty="0"/>
+          </a:p>
+        </p:txBody>
+      </p:sp>
+      <p:pic>
+        <p:nvPicPr>
+          <p:cNvPr id="5" name="图片 4">
+            <a:extLst>
+              <a:ext uri="{FF2B5EF4-FFF2-40B4-BE49-F238E27FC236}">
+                <a16:creationId xmlns:a16="http://schemas.microsoft.com/office/drawing/2014/main" id="{0D9A9FA4-BE92-4C81-A4CE-6191071635B5}"/>
+              </a:ext>
+            </a:extLst>
+          </p:cNvPr>
+          <p:cNvPicPr>
+            <a:picLocks noChangeAspect="1"/>
+          </p:cNvPicPr>
+          <p:nvPr/>
+        </p:nvPicPr>
+        <p:blipFill>
+          <a:blip r:embed="rId2">
+            <a:extLst>
+              <a:ext uri="{28A0092B-C50C-407E-A947-70E740481C1C}">
+                <a14:useLocalDpi xmlns:a14="http://schemas.microsoft.com/office/drawing/2010/main" val="0"/>
+              </a:ext>
+            </a:extLst>
+          </a:blip>
+          <a:stretch>
+            <a:fillRect/>
+          </a:stretch>
+        </p:blipFill>
+        <p:spPr>
+          <a:xfrm>
+            <a:off x="7821038" y="1690688"/>
+            <a:ext cx="4055127" cy="3951355"/>
+          </a:xfrm>
+          <a:prstGeom prst="rect">
+            <a:avLst/>
+          </a:prstGeom>
+        </p:spPr>
+      </p:pic>
     </p:spTree>
     <p:extLst>
       <p:ext uri="{BB962C8B-B14F-4D97-AF65-F5344CB8AC3E}">
@@ -3144,12 +3989,23 @@
   <p:clrMapOvr>
     <a:masterClrMapping/>
   </p:clrMapOvr>
+  <p:transition spd="slow">
+    <p:wipe/>
+  </p:transition>
 </p:sld>
 </file>
 
 <file path=ppt/slides/slide3.xml><?xml version="1.0" encoding="utf-8"?>
 <p:sld xmlns:a="http://schemas.openxmlformats.org/drawingml/2006/main" xmlns:r="http://schemas.openxmlformats.org/officeDocument/2006/relationships" xmlns:p="http://schemas.openxmlformats.org/presentationml/2006/main">
   <p:cSld>
+    <p:bg>
+      <p:bgPr>
+        <a:solidFill>
+          <a:schemeClr val="tx1"/>
+        </a:solidFill>
+        <a:effectLst/>
+      </p:bgPr>
+    </p:bg>
     <p:spTree>
       <p:nvGrpSpPr>
         <p:cNvPr id="1" name=""/>
@@ -3169,7 +4025,7 @@
           <p:cNvPr id="2" name="标题 1">
             <a:extLst>
               <a:ext uri="{FF2B5EF4-FFF2-40B4-BE49-F238E27FC236}">
-                <a16:creationId xmlns:a16="http://schemas.microsoft.com/office/drawing/2014/main" id="{0A11AEF6-C5D5-4312-8052-2FBAC7C98E0E}"/>
+                <a16:creationId xmlns:a16="http://schemas.microsoft.com/office/drawing/2014/main" id="{93F6ECCC-7760-424E-B2DE-76FABFB8BB6C}"/>
               </a:ext>
             </a:extLst>
           </p:cNvPr>
@@ -3185,7 +4041,19 @@
           <a:bodyPr/>
           <a:lstStyle/>
           <a:p>
-            <a:endParaRPr lang="zh-CN" altLang="en-US"/>
+            <a:r>
+              <a:rPr lang="en-US" altLang="zh-CN" dirty="0">
+                <a:solidFill>
+                  <a:schemeClr val="bg1"/>
+                </a:solidFill>
+              </a:rPr>
+              <a:t>History of hard disk </a:t>
+            </a:r>
+            <a:endParaRPr lang="zh-CN" altLang="en-US" dirty="0">
+              <a:solidFill>
+                <a:schemeClr val="bg1"/>
+              </a:solidFill>
+            </a:endParaRPr>
           </a:p>
         </p:txBody>
       </p:sp>
@@ -3194,7 +4062,7 @@
           <p:cNvPr id="3" name="内容占位符 2">
             <a:extLst>
               <a:ext uri="{FF2B5EF4-FFF2-40B4-BE49-F238E27FC236}">
-                <a16:creationId xmlns:a16="http://schemas.microsoft.com/office/drawing/2014/main" id="{DDC5CA20-2DF5-4E78-BE38-DEF150D2841D}"/>
+                <a16:creationId xmlns:a16="http://schemas.microsoft.com/office/drawing/2014/main" id="{74E62001-C41C-4BE8-BFA5-E34F8BB4B577}"/>
               </a:ext>
             </a:extLst>
           </p:cNvPr>
@@ -3205,25 +4073,124 @@
             <p:ph idx="1"/>
           </p:nvPr>
         </p:nvSpPr>
-        <p:spPr/>
-        <p:txBody>
-          <a:bodyPr/>
-          <a:lstStyle/>
-          <a:p>
-            <a:endParaRPr lang="zh-CN" altLang="en-US"/>
-          </a:p>
-        </p:txBody>
-      </p:sp>
+        <p:spPr>
+          <a:xfrm>
+            <a:off x="838200" y="1825625"/>
+            <a:ext cx="4426527" cy="4351338"/>
+          </a:xfrm>
+        </p:spPr>
+        <p:txBody>
+          <a:bodyPr/>
+          <a:lstStyle/>
+          <a:p>
+            <a:pPr lvl="0"/>
+            <a:r>
+              <a:rPr lang="en-US" altLang="zh-CN" dirty="0">
+                <a:solidFill>
+                  <a:schemeClr val="bg1"/>
+                </a:solidFill>
+              </a:rPr>
+              <a:t>First hard disk made by IBM in 1956, named RAMAC</a:t>
+            </a:r>
+            <a:endParaRPr lang="zh-CN" altLang="zh-CN" dirty="0">
+              <a:solidFill>
+                <a:schemeClr val="bg1"/>
+              </a:solidFill>
+            </a:endParaRPr>
+          </a:p>
+          <a:p>
+            <a:pPr lvl="0"/>
+            <a:r>
+              <a:rPr lang="en-US" altLang="zh-CN" dirty="0">
+                <a:solidFill>
+                  <a:schemeClr val="bg1"/>
+                </a:solidFill>
+              </a:rPr>
+              <a:t>RAMAC had storage of 5MB</a:t>
+            </a:r>
+            <a:endParaRPr lang="zh-CN" altLang="zh-CN" dirty="0">
+              <a:solidFill>
+                <a:schemeClr val="bg1"/>
+              </a:solidFill>
+            </a:endParaRPr>
+          </a:p>
+          <a:p>
+            <a:pPr lvl="0"/>
+            <a:r>
+              <a:rPr lang="en-US" altLang="zh-CN" dirty="0">
+                <a:solidFill>
+                  <a:schemeClr val="bg1"/>
+                </a:solidFill>
+              </a:rPr>
+              <a:t>By that time 5MB was way more than one’s needs</a:t>
+            </a:r>
+            <a:endParaRPr lang="zh-CN" altLang="zh-CN" dirty="0">
+              <a:solidFill>
+                <a:schemeClr val="bg1"/>
+              </a:solidFill>
+            </a:endParaRPr>
+          </a:p>
+          <a:p>
+            <a:endParaRPr lang="zh-CN" altLang="en-US" dirty="0">
+              <a:solidFill>
+                <a:schemeClr val="bg1"/>
+              </a:solidFill>
+            </a:endParaRPr>
+          </a:p>
+        </p:txBody>
+      </p:sp>
+      <p:pic>
+        <p:nvPicPr>
+          <p:cNvPr id="4" name="图片 3" descr="brl61-ibm_305_ramac">
+            <a:extLst>
+              <a:ext uri="{FF2B5EF4-FFF2-40B4-BE49-F238E27FC236}">
+                <a16:creationId xmlns:a16="http://schemas.microsoft.com/office/drawing/2014/main" id="{D66CA965-8E30-40F9-8DF6-69A66488D0AD}"/>
+              </a:ext>
+            </a:extLst>
+          </p:cNvPr>
+          <p:cNvPicPr/>
+          <p:nvPr/>
+        </p:nvPicPr>
+        <p:blipFill>
+          <a:blip r:embed="rId2">
+            <a:extLst>
+              <a:ext uri="{28A0092B-C50C-407E-A947-70E740481C1C}">
+                <a14:useLocalDpi xmlns:a14="http://schemas.microsoft.com/office/drawing/2010/main" val="0"/>
+              </a:ext>
+            </a:extLst>
+          </a:blip>
+          <a:srcRect/>
+          <a:stretch>
+            <a:fillRect/>
+          </a:stretch>
+        </p:blipFill>
+        <p:spPr bwMode="auto">
+          <a:xfrm>
+            <a:off x="6079490" y="1825625"/>
+            <a:ext cx="5274310" cy="3578860"/>
+          </a:xfrm>
+          <a:prstGeom prst="rect">
+            <a:avLst/>
+          </a:prstGeom>
+          <a:noFill/>
+          <a:ln>
+            <a:noFill/>
+          </a:ln>
+        </p:spPr>
+      </p:pic>
     </p:spTree>
     <p:extLst>
       <p:ext uri="{BB962C8B-B14F-4D97-AF65-F5344CB8AC3E}">
-        <p14:creationId xmlns:p14="http://schemas.microsoft.com/office/powerpoint/2010/main" val="242856193"/>
+        <p14:creationId xmlns:p14="http://schemas.microsoft.com/office/powerpoint/2010/main" val="4125737166"/>
       </p:ext>
     </p:extLst>
   </p:cSld>
   <p:clrMapOvr>
     <a:masterClrMapping/>
   </p:clrMapOvr>
+  <p:transition spd="slow">
+    <p:push dir="u"/>
+  </p:transition>
 </p:sld>
 </file>
 
@@ -3249,7 +4216,7 @@
           <p:cNvPr id="2" name="标题 1">
             <a:extLst>
               <a:ext uri="{FF2B5EF4-FFF2-40B4-BE49-F238E27FC236}">
-                <a16:creationId xmlns:a16="http://schemas.microsoft.com/office/drawing/2014/main" id="{26099685-24E4-431F-B37B-EEF50E768F40}"/>
+                <a16:creationId xmlns:a16="http://schemas.microsoft.com/office/drawing/2014/main" id="{DE768277-6542-4A7B-806F-1CE47C3703BB}"/>
               </a:ext>
             </a:extLst>
           </p:cNvPr>
@@ -3267,7 +4234,7 @@
           <a:p>
             <a:r>
               <a:rPr lang="en-US" altLang="zh-CN" dirty="0"/>
-              <a:t>The structure of hard disc</a:t>
+              <a:t>History of hard disk</a:t>
             </a:r>
             <a:endParaRPr lang="zh-CN" altLang="en-US" dirty="0"/>
           </a:p>
@@ -3278,7 +4245,7 @@
           <p:cNvPr id="3" name="内容占位符 2">
             <a:extLst>
               <a:ext uri="{FF2B5EF4-FFF2-40B4-BE49-F238E27FC236}">
-                <a16:creationId xmlns:a16="http://schemas.microsoft.com/office/drawing/2014/main" id="{BBDA140B-63A0-4D2F-9F36-9F4A4163DD66}"/>
+                <a16:creationId xmlns:a16="http://schemas.microsoft.com/office/drawing/2014/main" id="{21090ECC-EC79-4222-907D-D1EE790B271A}"/>
               </a:ext>
             </a:extLst>
           </p:cNvPr>
@@ -3289,53 +4256,229 @@
             <p:ph idx="1"/>
           </p:nvPr>
         </p:nvSpPr>
-        <p:spPr/>
-        <p:txBody>
-          <a:bodyPr/>
-          <a:lstStyle/>
-          <a:p>
-            <a:r>
-              <a:rPr lang="en-US" altLang="zh-CN" dirty="0"/>
-              <a:t>Head</a:t>
-            </a:r>
-          </a:p>
-          <a:p>
-            <a:r>
-              <a:rPr lang="en-US" altLang="zh-CN" dirty="0"/>
-              <a:t>Track</a:t>
-            </a:r>
-          </a:p>
-          <a:p>
-            <a:r>
-              <a:rPr lang="en-US" altLang="zh-CN" dirty="0"/>
-              <a:t>Sector</a:t>
-            </a:r>
-          </a:p>
-          <a:p>
-            <a:r>
-              <a:rPr lang="en-US" altLang="zh-CN" dirty="0"/>
-              <a:t>Cylinder</a:t>
-            </a:r>
+        <p:spPr>
+          <a:xfrm>
+            <a:off x="6669001" y="1690687"/>
+            <a:ext cx="4684536" cy="2889866"/>
+          </a:xfrm>
+        </p:spPr>
+        <p:txBody>
+          <a:bodyPr/>
+          <a:lstStyle/>
+          <a:p>
+            <a:pPr marL="0" lvl="0" indent="0" eaLnBrk="0" fontAlgn="base" hangingPunct="0">
+              <a:lnSpc>
+                <a:spcPct val="100000"/>
+              </a:lnSpc>
+              <a:spcBef>
+                <a:spcPct val="0"/>
+              </a:spcBef>
+              <a:spcAft>
+                <a:spcPct val="0"/>
+              </a:spcAft>
+              <a:buFontTx/>
+              <a:buChar char="•"/>
+            </a:pPr>
+            <a:r>
+              <a:rPr lang="en-US" altLang="zh-CN" dirty="0">
+                <a:latin typeface="等线" panose="02010600030101010101" pitchFamily="2" charset="-122"/>
+                <a:cs typeface="Times New Roman" panose="02020603050405020304" pitchFamily="18" charset="0"/>
+              </a:rPr>
+              <a:t> In 1962, IBM1311</a:t>
+            </a:r>
+          </a:p>
+          <a:p>
+            <a:pPr marL="0" lvl="0" indent="0" eaLnBrk="0" fontAlgn="base" hangingPunct="0">
+              <a:lnSpc>
+                <a:spcPct val="100000"/>
+              </a:lnSpc>
+              <a:spcBef>
+                <a:spcPct val="0"/>
+              </a:spcBef>
+              <a:spcAft>
+                <a:spcPct val="0"/>
+              </a:spcAft>
+              <a:buNone/>
+            </a:pPr>
+            <a:r>
+              <a:rPr lang="en-US" altLang="zh-CN" dirty="0">
+                <a:latin typeface="等线" panose="02010600030101010101" pitchFamily="2" charset="-122"/>
+                <a:cs typeface="Times New Roman" panose="02020603050405020304" pitchFamily="18" charset="0"/>
+              </a:rPr>
+              <a:t>Data Storage drive introduced</a:t>
+            </a:r>
+            <a:r>
+              <a:rPr lang="en-US" altLang="zh-CN" sz="2000" dirty="0"/>
+              <a:t> </a:t>
+            </a:r>
+            <a:r>
+              <a:rPr lang="en-US" altLang="zh-CN" dirty="0">
+                <a:latin typeface="等线" panose="02010600030101010101" pitchFamily="2" charset="-122"/>
+                <a:cs typeface="Times New Roman" panose="02020603050405020304" pitchFamily="18" charset="0"/>
+              </a:rPr>
+              <a:t>First removable storage</a:t>
+            </a:r>
+            <a:endParaRPr lang="en-US" altLang="zh-CN" sz="5400" dirty="0">
+              <a:latin typeface="Arial" panose="020B0604020202020204" pitchFamily="34" charset="0"/>
+            </a:endParaRPr>
+          </a:p>
+          <a:p>
             <a:endParaRPr lang="zh-CN" altLang="en-US" dirty="0"/>
           </a:p>
         </p:txBody>
       </p:sp>
+      <p:sp>
+        <p:nvSpPr>
+          <p:cNvPr id="4" name="Rectangle 2">
+            <a:extLst>
+              <a:ext uri="{FF2B5EF4-FFF2-40B4-BE49-F238E27FC236}">
+                <a16:creationId xmlns:a16="http://schemas.microsoft.com/office/drawing/2014/main" id="{CB81A28F-C9DD-4A87-9B2C-49600362B6D6}"/>
+              </a:ext>
+            </a:extLst>
+          </p:cNvPr>
+          <p:cNvSpPr>
+            <a:spLocks noChangeArrowheads="1"/>
+          </p:cNvSpPr>
+          <p:nvPr/>
+        </p:nvSpPr>
+        <p:spPr bwMode="auto">
+          <a:xfrm>
+            <a:off x="0" y="0"/>
+            <a:ext cx="12192000" cy="457200"/>
+          </a:xfrm>
+          <a:prstGeom prst="rect">
+            <a:avLst/>
+          </a:prstGeom>
+          <a:noFill/>
+          <a:ln>
+            <a:noFill/>
+          </a:ln>
+          <a:effectLst/>
+          <a:extLst>
+            <a:ext uri="{909E8E84-426E-40DD-AFC4-6F175D3DCCD1}">
+              <a14:hiddenFill xmlns:a14="http://schemas.microsoft.com/office/drawing/2010/main">
+                <a:solidFill>
+                  <a:schemeClr val="accent1"/>
+                </a:solidFill>
+              </a14:hiddenFill>
+            </a:ext>
+            <a:ext uri="{91240B29-F687-4F45-9708-019B960494DF}">
+              <a14:hiddenLine xmlns:a14="http://schemas.microsoft.com/office/drawing/2010/main" w="9525">
+                <a:solidFill>
+                  <a:schemeClr val="tx1"/>
+                </a:solidFill>
+                <a:miter lim="800000"/>
+                <a:headEnd/>
+                <a:tailEnd/>
+              </a14:hiddenLine>
+            </a:ext>
+            <a:ext uri="{AF507438-7753-43E0-B8FC-AC1667EBCBE1}">
+              <a14:hiddenEffects xmlns:a14="http://schemas.microsoft.com/office/drawing/2010/main">
+                <a:effectLst>
+                  <a:outerShdw dist="35921" dir="2700000" algn="ctr" rotWithShape="0">
+                    <a:schemeClr val="bg2"/>
+                  </a:outerShdw>
+                </a:effectLst>
+              </a14:hiddenEffects>
+            </a:ext>
+          </a:extLst>
+        </p:spPr>
+        <p:txBody>
+          <a:bodyPr vert="horz" wrap="none" lIns="91440" tIns="45720" rIns="91440" bIns="45720" numCol="1" anchor="ctr" anchorCtr="0" compatLnSpc="1">
+            <a:prstTxWarp prst="textNoShape">
+              <a:avLst/>
+            </a:prstTxWarp>
+            <a:spAutoFit/>
+          </a:bodyPr>
+          <a:lstStyle/>
+          <a:p>
+            <a:endParaRPr lang="zh-CN" altLang="en-US"/>
+          </a:p>
+        </p:txBody>
+      </p:sp>
+      <p:pic>
+        <p:nvPicPr>
+          <p:cNvPr id="1025" name="图片 2" descr="ibm_1311-1">
+            <a:extLst>
+              <a:ext uri="{FF2B5EF4-FFF2-40B4-BE49-F238E27FC236}">
+                <a16:creationId xmlns:a16="http://schemas.microsoft.com/office/drawing/2014/main" id="{0ADDB7F8-A742-48A8-AB2E-5A3050908A98}"/>
+              </a:ext>
+            </a:extLst>
+          </p:cNvPr>
+          <p:cNvPicPr>
+            <a:picLocks noChangeAspect="1" noChangeArrowheads="1"/>
+          </p:cNvPicPr>
+          <p:nvPr/>
+        </p:nvPicPr>
+        <p:blipFill>
+          <a:blip r:embed="rId2">
+            <a:extLst>
+              <a:ext uri="{28A0092B-C50C-407E-A947-70E740481C1C}">
+                <a14:useLocalDpi xmlns:a14="http://schemas.microsoft.com/office/drawing/2010/main" val="0"/>
+              </a:ext>
+            </a:extLst>
+          </a:blip>
+          <a:srcRect/>
+          <a:stretch>
+            <a:fillRect/>
+          </a:stretch>
+        </p:blipFill>
+        <p:spPr bwMode="auto">
+          <a:xfrm>
+            <a:off x="838463" y="1690687"/>
+            <a:ext cx="4018876" cy="4339429"/>
+          </a:xfrm>
+          <a:prstGeom prst="rect">
+            <a:avLst/>
+          </a:prstGeom>
+          <a:noFill/>
+          <a:extLst>
+            <a:ext uri="{909E8E84-426E-40DD-AFC4-6F175D3DCCD1}">
+              <a14:hiddenFill xmlns:a14="http://schemas.microsoft.com/office/drawing/2010/main">
+                <a:solidFill>
+                  <a:srgbClr val="FFFFFF"/>
+                </a:solidFill>
+              </a14:hiddenFill>
+            </a:ext>
+          </a:extLst>
+        </p:spPr>
+      </p:pic>
     </p:spTree>
     <p:extLst>
       <p:ext uri="{BB962C8B-B14F-4D97-AF65-F5344CB8AC3E}">
-        <p14:creationId xmlns:p14="http://schemas.microsoft.com/office/powerpoint/2010/main" val="4179059076"/>
+        <p14:creationId xmlns:p14="http://schemas.microsoft.com/office/powerpoint/2010/main" val="3433032252"/>
       </p:ext>
     </p:extLst>
   </p:cSld>
   <p:clrMapOvr>
     <a:masterClrMapping/>
   </p:clrMapOvr>
+  <mc:AlternateContent xmlns:mc="http://schemas.openxmlformats.org/markup-compatibility/2006" xmlns:p14="http://schemas.microsoft.com/office/powerpoint/2010/main">
+    <mc:Choice Requires="p14">
+      <p:transition spd="slow" p14:dur="1600">
+        <p:blinds dir="vert"/>
+      </p:transition>
+    </mc:Choice>
+    <mc:Fallback xmlns="">
+      <p:transition spd="slow">
+        <p:blinds dir="vert"/>
+      </p:transition>
+    </mc:Fallback>
+  </mc:AlternateContent>
 </p:sld>
 </file>
 
 <file path=ppt/slides/slide5.xml><?xml version="1.0" encoding="utf-8"?>
 <p:sld xmlns:a="http://schemas.openxmlformats.org/drawingml/2006/main" xmlns:r="http://schemas.openxmlformats.org/officeDocument/2006/relationships" xmlns:p="http://schemas.openxmlformats.org/presentationml/2006/main">
   <p:cSld>
+    <p:bg>
+      <p:bgPr>
+        <a:solidFill>
+          <a:schemeClr val="tx1"/>
+        </a:solidFill>
+        <a:effectLst/>
+      </p:bgPr>
+    </p:bg>
     <p:spTree>
       <p:nvGrpSpPr>
         <p:cNvPr id="1" name=""/>
@@ -3355,7 +4498,7 @@
           <p:cNvPr id="2" name="标题 1">
             <a:extLst>
               <a:ext uri="{FF2B5EF4-FFF2-40B4-BE49-F238E27FC236}">
-                <a16:creationId xmlns:a16="http://schemas.microsoft.com/office/drawing/2014/main" id="{DBA41655-E234-4F33-8118-64B5C67B2A20}"/>
+                <a16:creationId xmlns:a16="http://schemas.microsoft.com/office/drawing/2014/main" id="{1F5CA200-FB84-4D68-A967-729604ACC1E4}"/>
               </a:ext>
             </a:extLst>
           </p:cNvPr>
@@ -3371,51 +4514,183 @@
           <a:bodyPr/>
           <a:lstStyle/>
           <a:p>
-            <a:endParaRPr lang="zh-CN" altLang="en-US"/>
-          </a:p>
-        </p:txBody>
-      </p:sp>
-      <p:sp>
-        <p:nvSpPr>
-          <p:cNvPr id="3" name="内容占位符 2">
+            <a:r>
+              <a:rPr lang="en-US" altLang="zh-CN" dirty="0">
+                <a:solidFill>
+                  <a:schemeClr val="bg1"/>
+                </a:solidFill>
+              </a:rPr>
+              <a:t>The structure of hard disk</a:t>
+            </a:r>
+            <a:endParaRPr lang="zh-CN" altLang="en-US" dirty="0">
+              <a:solidFill>
+                <a:schemeClr val="bg1"/>
+              </a:solidFill>
+            </a:endParaRPr>
+          </a:p>
+        </p:txBody>
+      </p:sp>
+      <p:pic>
+        <p:nvPicPr>
+          <p:cNvPr id="8" name="内容占位符 3" descr="winchester-festplatte">
             <a:extLst>
               <a:ext uri="{FF2B5EF4-FFF2-40B4-BE49-F238E27FC236}">
-                <a16:creationId xmlns:a16="http://schemas.microsoft.com/office/drawing/2014/main" id="{4108A963-840E-4387-8951-3767EF59AD5F}"/>
+                <a16:creationId xmlns:a16="http://schemas.microsoft.com/office/drawing/2014/main" id="{D1AE8C51-F358-418B-9528-4576793F91B1}"/>
               </a:ext>
             </a:extLst>
           </p:cNvPr>
-          <p:cNvSpPr>
-            <a:spLocks noGrp="1"/>
-          </p:cNvSpPr>
-          <p:nvPr>
-            <p:ph idx="1"/>
-          </p:nvPr>
-        </p:nvSpPr>
-        <p:spPr/>
-        <p:txBody>
-          <a:bodyPr/>
-          <a:lstStyle/>
-          <a:p>
-            <a:endParaRPr lang="zh-CN" altLang="en-US"/>
+          <p:cNvPicPr>
+            <a:picLocks/>
+          </p:cNvPicPr>
+          <p:nvPr/>
+        </p:nvPicPr>
+        <p:blipFill>
+          <a:blip r:embed="rId2">
+            <a:extLst>
+              <a:ext uri="{28A0092B-C50C-407E-A947-70E740481C1C}">
+                <a14:useLocalDpi xmlns:a14="http://schemas.microsoft.com/office/drawing/2010/main" val="0"/>
+              </a:ext>
+            </a:extLst>
+          </a:blip>
+          <a:srcRect/>
+          <a:stretch>
+            <a:fillRect/>
+          </a:stretch>
+        </p:blipFill>
+        <p:spPr bwMode="auto">
+          <a:xfrm>
+            <a:off x="6871772" y="2324711"/>
+            <a:ext cx="4574959" cy="3495934"/>
+          </a:xfrm>
+          <a:prstGeom prst="rect">
+            <a:avLst/>
+          </a:prstGeom>
+          <a:noFill/>
+          <a:ln>
+            <a:noFill/>
+          </a:ln>
+        </p:spPr>
+      </p:pic>
+      <p:sp>
+        <p:nvSpPr>
+          <p:cNvPr id="9" name="矩形 8">
+            <a:extLst>
+              <a:ext uri="{FF2B5EF4-FFF2-40B4-BE49-F238E27FC236}">
+                <a16:creationId xmlns:a16="http://schemas.microsoft.com/office/drawing/2014/main" id="{42773FFE-0132-4401-A3CF-0D86D4CC051E}"/>
+              </a:ext>
+            </a:extLst>
+          </p:cNvPr>
+          <p:cNvSpPr/>
+          <p:nvPr/>
+        </p:nvSpPr>
+        <p:spPr>
+          <a:xfrm>
+            <a:off x="838200" y="2256796"/>
+            <a:ext cx="5257800" cy="1815882"/>
+          </a:xfrm>
+          <a:prstGeom prst="rect">
+            <a:avLst/>
+          </a:prstGeom>
+        </p:spPr>
+        <p:txBody>
+          <a:bodyPr wrap="square">
+            <a:spAutoFit/>
+          </a:bodyPr>
+          <a:lstStyle/>
+          <a:p>
+            <a:pPr marL="285750" indent="-285750">
+              <a:buFont typeface="Arial" panose="020B0604020202020204" pitchFamily="34" charset="0"/>
+              <a:buChar char="•"/>
+            </a:pPr>
+            <a:r>
+              <a:rPr lang="en-US" altLang="zh-CN" sz="2800" dirty="0">
+                <a:solidFill>
+                  <a:schemeClr val="bg1"/>
+                </a:solidFill>
+                <a:latin typeface="等线" panose="02010600030101010101" pitchFamily="2" charset="-122"/>
+                <a:cs typeface="Times New Roman" panose="02020603050405020304" pitchFamily="18" charset="0"/>
+              </a:rPr>
+              <a:t>In 1980, </a:t>
+            </a:r>
+            <a:r>
+              <a:rPr lang="en-US" altLang="zh-CN" sz="2800" dirty="0" err="1">
+                <a:solidFill>
+                  <a:schemeClr val="bg1"/>
+                </a:solidFill>
+                <a:latin typeface="等线" panose="02010600030101010101" pitchFamily="2" charset="-122"/>
+                <a:cs typeface="Times New Roman" panose="02020603050405020304" pitchFamily="18" charset="0"/>
+              </a:rPr>
+              <a:t>Shugart</a:t>
+            </a:r>
+            <a:r>
+              <a:rPr lang="en-US" altLang="zh-CN" sz="2800" dirty="0">
+                <a:solidFill>
+                  <a:schemeClr val="bg1"/>
+                </a:solidFill>
+                <a:latin typeface="等线" panose="02010600030101010101" pitchFamily="2" charset="-122"/>
+                <a:cs typeface="Times New Roman" panose="02020603050405020304" pitchFamily="18" charset="0"/>
+              </a:rPr>
+              <a:t> Technology invented 5MB Hard drive which can fit into PC</a:t>
+            </a:r>
+            <a:endParaRPr lang="zh-CN" altLang="zh-CN" sz="2800" dirty="0">
+              <a:solidFill>
+                <a:schemeClr val="bg1"/>
+              </a:solidFill>
+              <a:latin typeface="等线" panose="02010600030101010101" pitchFamily="2" charset="-122"/>
+              <a:cs typeface="Times New Roman" panose="02020603050405020304" pitchFamily="18" charset="0"/>
+            </a:endParaRPr>
+          </a:p>
+          <a:p>
+            <a:pPr marL="285750" indent="-285750">
+              <a:buFont typeface="Arial" panose="020B0604020202020204" pitchFamily="34" charset="0"/>
+              <a:buChar char="•"/>
+            </a:pPr>
+            <a:endParaRPr lang="zh-CN" altLang="en-US" sz="2800" dirty="0">
+              <a:solidFill>
+                <a:schemeClr val="bg1"/>
+              </a:solidFill>
+              <a:latin typeface="等线" panose="02010600030101010101" pitchFamily="2" charset="-122"/>
+              <a:cs typeface="Times New Roman" panose="02020603050405020304" pitchFamily="18" charset="0"/>
+            </a:endParaRPr>
           </a:p>
         </p:txBody>
       </p:sp>
     </p:spTree>
     <p:extLst>
       <p:ext uri="{BB962C8B-B14F-4D97-AF65-F5344CB8AC3E}">
-        <p14:creationId xmlns:p14="http://schemas.microsoft.com/office/powerpoint/2010/main" val="3209811741"/>
+        <p14:creationId xmlns:p14="http://schemas.microsoft.com/office/powerpoint/2010/main" val="626912386"/>
       </p:ext>
     </p:extLst>
   </p:cSld>
   <p:clrMapOvr>
     <a:masterClrMapping/>
   </p:clrMapOvr>
+  <mc:AlternateContent xmlns:mc="http://schemas.openxmlformats.org/markup-compatibility/2006" xmlns:p15="http://schemas.microsoft.com/office/powerpoint/2012/main">
+    <mc:Choice Requires="p15">
+      <p:transition xmlns:p14="http://schemas.microsoft.com/office/powerpoint/2010/main" spd="slow" p14:dur="1250">
+        <p15:prstTrans prst="airplane"/>
+      </p:transition>
+    </mc:Choice>
+    <mc:Fallback xmlns="">
+      <p:transition spd="slow">
+        <p:fade/>
+      </p:transition>
+    </mc:Fallback>
+  </mc:AlternateContent>
 </p:sld>
 </file>
 
 <file path=ppt/slides/slide6.xml><?xml version="1.0" encoding="utf-8"?>
 <p:sld xmlns:a="http://schemas.openxmlformats.org/drawingml/2006/main" xmlns:r="http://schemas.openxmlformats.org/officeDocument/2006/relationships" xmlns:p="http://schemas.openxmlformats.org/presentationml/2006/main">
   <p:cSld>
+    <p:bg>
+      <p:bgPr>
+        <a:solidFill>
+          <a:schemeClr val="bg1"/>
+        </a:solidFill>
+        <a:effectLst/>
+      </p:bgPr>
+    </p:bg>
     <p:spTree>
       <p:nvGrpSpPr>
         <p:cNvPr id="1" name=""/>
@@ -3430,141 +4705,165 @@
           <a:chExt cx="0" cy="0"/>
         </a:xfrm>
       </p:grpSpPr>
+      <p:sp>
+        <p:nvSpPr>
+          <p:cNvPr id="2" name="标题 1">
+            <a:extLst>
+              <a:ext uri="{FF2B5EF4-FFF2-40B4-BE49-F238E27FC236}">
+                <a16:creationId xmlns:a16="http://schemas.microsoft.com/office/drawing/2014/main" id="{26099685-24E4-431F-B37B-EEF50E768F40}"/>
+              </a:ext>
+            </a:extLst>
+          </p:cNvPr>
+          <p:cNvSpPr>
+            <a:spLocks noGrp="1"/>
+          </p:cNvSpPr>
+          <p:nvPr>
+            <p:ph type="title"/>
+          </p:nvPr>
+        </p:nvSpPr>
+        <p:spPr/>
+        <p:txBody>
+          <a:bodyPr/>
+          <a:lstStyle/>
+          <a:p>
+            <a:r>
+              <a:rPr lang="en-US" altLang="zh-CN" dirty="0"/>
+              <a:t>The structure of hard disk</a:t>
+            </a:r>
+            <a:endParaRPr lang="zh-CN" altLang="en-US" dirty="0"/>
+          </a:p>
+        </p:txBody>
+      </p:sp>
+      <p:sp>
+        <p:nvSpPr>
+          <p:cNvPr id="3" name="内容占位符 2">
+            <a:extLst>
+              <a:ext uri="{FF2B5EF4-FFF2-40B4-BE49-F238E27FC236}">
+                <a16:creationId xmlns:a16="http://schemas.microsoft.com/office/drawing/2014/main" id="{BBDA140B-63A0-4D2F-9F36-9F4A4163DD66}"/>
+              </a:ext>
+            </a:extLst>
+          </p:cNvPr>
+          <p:cNvSpPr>
+            <a:spLocks noGrp="1"/>
+          </p:cNvSpPr>
+          <p:nvPr>
+            <p:ph idx="1"/>
+          </p:nvPr>
+        </p:nvSpPr>
+        <p:spPr>
+          <a:xfrm>
+            <a:off x="838199" y="1825625"/>
+            <a:ext cx="5476875" cy="4351338"/>
+          </a:xfrm>
+        </p:spPr>
+        <p:txBody>
+          <a:bodyPr>
+            <a:normAutofit/>
+          </a:bodyPr>
+          <a:lstStyle/>
+          <a:p>
+            <a:r>
+              <a:rPr lang="en-US" altLang="zh-CN" dirty="0"/>
+              <a:t>Platters are made from a hard material such as glass or aluminum, which is coated with a thin layer of metal that can be magnetized or demagnetized</a:t>
+            </a:r>
+          </a:p>
+          <a:p>
+            <a:r>
+              <a:rPr lang="en-US" altLang="zh-CN" dirty="0"/>
+              <a:t>Track</a:t>
+            </a:r>
+          </a:p>
+          <a:p>
+            <a:r>
+              <a:rPr lang="en-US" altLang="zh-CN" dirty="0"/>
+              <a:t>Cylinder</a:t>
+            </a:r>
+          </a:p>
+        </p:txBody>
+      </p:sp>
       <p:pic>
         <p:nvPicPr>
-          <p:cNvPr id="6" name="图片 5">
+          <p:cNvPr id="3074" name="Picture 2" descr="相关图片">
             <a:extLst>
               <a:ext uri="{FF2B5EF4-FFF2-40B4-BE49-F238E27FC236}">
-                <a16:creationId xmlns:a16="http://schemas.microsoft.com/office/drawing/2014/main" id="{D5790215-A35D-4227-9769-4004A34D709B}"/>
+                <a16:creationId xmlns:a16="http://schemas.microsoft.com/office/drawing/2014/main" id="{F6B53142-1EF8-4253-AD07-8B3DF1A0E45D}"/>
               </a:ext>
             </a:extLst>
           </p:cNvPr>
           <p:cNvPicPr>
-            <a:picLocks noChangeAspect="1"/>
+            <a:picLocks noChangeAspect="1" noChangeArrowheads="1"/>
           </p:cNvPicPr>
           <p:nvPr/>
         </p:nvPicPr>
         <p:blipFill>
-          <a:blip r:embed="rId2"/>
+          <a:blip r:embed="rId2">
+            <a:extLst>
+              <a:ext uri="{28A0092B-C50C-407E-A947-70E740481C1C}">
+                <a14:useLocalDpi xmlns:a14="http://schemas.microsoft.com/office/drawing/2010/main" val="0"/>
+              </a:ext>
+            </a:extLst>
+          </a:blip>
+          <a:srcRect/>
           <a:stretch>
             <a:fillRect/>
           </a:stretch>
         </p:blipFill>
-        <p:spPr>
+        <p:spPr bwMode="auto">
           <a:xfrm>
-            <a:off x="6096001" y="2464377"/>
-            <a:ext cx="6096000" cy="4393623"/>
+            <a:off x="6524828" y="1567543"/>
+            <a:ext cx="4828972" cy="4867501"/>
           </a:xfrm>
           <a:prstGeom prst="rect">
             <a:avLst/>
           </a:prstGeom>
+          <a:noFill/>
+          <a:extLst>
+            <a:ext uri="{909E8E84-426E-40DD-AFC4-6F175D3DCCD1}">
+              <a14:hiddenFill xmlns:a14="http://schemas.microsoft.com/office/drawing/2010/main">
+                <a:solidFill>
+                  <a:srgbClr val="FFFFFF"/>
+                </a:solidFill>
+              </a14:hiddenFill>
+            </a:ext>
+          </a:extLst>
         </p:spPr>
       </p:pic>
-      <p:sp>
-        <p:nvSpPr>
-          <p:cNvPr id="2" name="标题 1">
-            <a:extLst>
-              <a:ext uri="{FF2B5EF4-FFF2-40B4-BE49-F238E27FC236}">
-                <a16:creationId xmlns:a16="http://schemas.microsoft.com/office/drawing/2014/main" id="{6F98E154-B825-4C85-81E9-DC10909441B3}"/>
-              </a:ext>
-            </a:extLst>
-          </p:cNvPr>
-          <p:cNvSpPr>
-            <a:spLocks noGrp="1"/>
-          </p:cNvSpPr>
-          <p:nvPr>
-            <p:ph type="title"/>
-          </p:nvPr>
-        </p:nvSpPr>
-        <p:spPr/>
-        <p:txBody>
-          <a:bodyPr/>
-          <a:lstStyle/>
-          <a:p>
-            <a:r>
-              <a:rPr lang="en-US" altLang="zh-CN" dirty="0"/>
-              <a:t>The theory of hard disc</a:t>
-            </a:r>
-            <a:endParaRPr lang="zh-CN" altLang="en-US" dirty="0"/>
-          </a:p>
-        </p:txBody>
-      </p:sp>
-      <p:sp>
-        <p:nvSpPr>
-          <p:cNvPr id="3" name="内容占位符 2">
-            <a:extLst>
-              <a:ext uri="{FF2B5EF4-FFF2-40B4-BE49-F238E27FC236}">
-                <a16:creationId xmlns:a16="http://schemas.microsoft.com/office/drawing/2014/main" id="{D08D970B-5A9F-4F80-8218-C8834154D4F9}"/>
-              </a:ext>
-            </a:extLst>
-          </p:cNvPr>
-          <p:cNvSpPr>
-            <a:spLocks noGrp="1"/>
-          </p:cNvSpPr>
-          <p:nvPr>
-            <p:ph idx="1"/>
-          </p:nvPr>
-        </p:nvSpPr>
-        <p:spPr>
-          <a:xfrm>
-            <a:off x="838200" y="1825625"/>
-            <a:ext cx="10515600" cy="4351338"/>
-          </a:xfrm>
-        </p:spPr>
-        <p:txBody>
-          <a:bodyPr/>
-          <a:lstStyle/>
-          <a:p>
-            <a:r>
-              <a:rPr lang="en-US" altLang="zh-CN" dirty="0"/>
-              <a:t>Modern hard discs uses magnetic recording to change the direction of magnetization on the disk in order to store bits of data sequentially.</a:t>
-            </a:r>
-          </a:p>
-          <a:p>
-            <a:r>
-              <a:rPr lang="en-US" altLang="zh-CN" dirty="0"/>
-              <a:t>This process is done by the magnetic head</a:t>
-            </a:r>
-          </a:p>
-          <a:p>
-            <a:r>
-              <a:rPr lang="en-US" altLang="zh-CN" dirty="0"/>
-              <a:t>The disk spin at either 5400 rpm or 7200 rpm</a:t>
-            </a:r>
-          </a:p>
-          <a:p>
-            <a:pPr marL="0" indent="0">
-              <a:buNone/>
-            </a:pPr>
-            <a:r>
-              <a:rPr lang="en-US" altLang="zh-CN" dirty="0"/>
-              <a:t>   in most consumer-grade</a:t>
-            </a:r>
-          </a:p>
-          <a:p>
-            <a:pPr marL="0" indent="0">
-              <a:buNone/>
-            </a:pPr>
-            <a:endParaRPr lang="en-US" altLang="zh-CN" dirty="0"/>
-          </a:p>
-        </p:txBody>
-      </p:sp>
     </p:spTree>
     <p:extLst>
       <p:ext uri="{BB962C8B-B14F-4D97-AF65-F5344CB8AC3E}">
-        <p14:creationId xmlns:p14="http://schemas.microsoft.com/office/powerpoint/2010/main" val="1605132689"/>
+        <p14:creationId xmlns:p14="http://schemas.microsoft.com/office/powerpoint/2010/main" val="4179059076"/>
       </p:ext>
     </p:extLst>
   </p:cSld>
   <p:clrMapOvr>
     <a:masterClrMapping/>
   </p:clrMapOvr>
+  <mc:AlternateContent xmlns:mc="http://schemas.openxmlformats.org/markup-compatibility/2006" xmlns:p15="http://schemas.microsoft.com/office/powerpoint/2012/main">
+    <mc:Choice Requires="p15">
+      <p:transition xmlns:p14="http://schemas.microsoft.com/office/powerpoint/2010/main" spd="slow" p14:dur="2000">
+        <p15:prstTrans prst="fallOver"/>
+      </p:transition>
+    </mc:Choice>
+    <mc:Fallback xmlns="">
+      <p:transition spd="slow">
+        <p:fade/>
+      </p:transition>
+    </mc:Fallback>
+  </mc:AlternateContent>
 </p:sld>
 </file>
 
 <file path=ppt/slides/slide7.xml><?xml version="1.0" encoding="utf-8"?>
 <p:sld xmlns:a="http://schemas.openxmlformats.org/drawingml/2006/main" xmlns:r="http://schemas.openxmlformats.org/officeDocument/2006/relationships" xmlns:p="http://schemas.openxmlformats.org/presentationml/2006/main">
   <p:cSld>
+    <p:bg>
+      <p:bgPr>
+        <a:solidFill>
+          <a:schemeClr val="bg1"/>
+        </a:solidFill>
+        <a:effectLst/>
+      </p:bgPr>
+    </p:bg>
     <p:spTree>
       <p:nvGrpSpPr>
         <p:cNvPr id="1" name=""/>
@@ -3584,7 +4883,7 @@
           <p:cNvPr id="2" name="标题 1">
             <a:extLst>
               <a:ext uri="{FF2B5EF4-FFF2-40B4-BE49-F238E27FC236}">
-                <a16:creationId xmlns:a16="http://schemas.microsoft.com/office/drawing/2014/main" id="{580750D2-47BB-4A66-9087-7C645E565742}"/>
+                <a16:creationId xmlns:a16="http://schemas.microsoft.com/office/drawing/2014/main" id="{4CA38D9C-5560-4987-B096-DE083D41186C}"/>
               </a:ext>
             </a:extLst>
           </p:cNvPr>
@@ -3602,7 +4901,7 @@
           <a:p>
             <a:r>
               <a:rPr lang="en-US" altLang="zh-CN" dirty="0"/>
-              <a:t>The theory of hard disc</a:t>
+              <a:t>Sector</a:t>
             </a:r>
             <a:endParaRPr lang="zh-CN" altLang="en-US" dirty="0"/>
           </a:p>
@@ -3613,7 +4912,7 @@
           <p:cNvPr id="3" name="内容占位符 2">
             <a:extLst>
               <a:ext uri="{FF2B5EF4-FFF2-40B4-BE49-F238E27FC236}">
-                <a16:creationId xmlns:a16="http://schemas.microsoft.com/office/drawing/2014/main" id="{A679E0A6-F1A2-4FDF-9147-FAB94D484436}"/>
+                <a16:creationId xmlns:a16="http://schemas.microsoft.com/office/drawing/2014/main" id="{AE338D14-5E17-48F2-AE8B-79C7D1F86ACF}"/>
               </a:ext>
             </a:extLst>
           </p:cNvPr>
@@ -3624,35 +4923,132 @@
             <p:ph idx="1"/>
           </p:nvPr>
         </p:nvSpPr>
-        <p:spPr/>
-        <p:txBody>
-          <a:bodyPr/>
+        <p:spPr>
+          <a:xfrm>
+            <a:off x="838200" y="1825625"/>
+            <a:ext cx="5568059" cy="4406404"/>
+          </a:xfrm>
+        </p:spPr>
+        <p:txBody>
+          <a:bodyPr>
+            <a:normAutofit/>
+          </a:bodyPr>
           <a:lstStyle/>
           <a:p>
             <a:r>
               <a:rPr lang="en-US" altLang="zh-CN" dirty="0"/>
-              <a:t>The disk is separated into many small layers, each layer has a magnetic head in order to write/read</a:t>
-            </a:r>
-            <a:endParaRPr lang="zh-CN" altLang="en-US" dirty="0"/>
-          </a:p>
-        </p:txBody>
-      </p:sp>
+              <a:t>a sector is a subdivision of a track on a magnetic disk or optical disc. Each sector stores a fixed amount of user-accessible data, traditionally </a:t>
+            </a:r>
+            <a:r>
+              <a:rPr lang="en-US" altLang="zh-CN" dirty="0">
+                <a:solidFill>
+                  <a:schemeClr val="accent2"/>
+                </a:solidFill>
+              </a:rPr>
+              <a:t>512 bytes </a:t>
+            </a:r>
+            <a:r>
+              <a:rPr lang="en-US" altLang="zh-CN" dirty="0"/>
+              <a:t>for hard disk drives (HDDs) and </a:t>
+            </a:r>
+            <a:r>
+              <a:rPr lang="en-US" altLang="zh-CN" dirty="0">
+                <a:solidFill>
+                  <a:schemeClr val="accent2"/>
+                </a:solidFill>
+              </a:rPr>
+              <a:t>2048 bytes </a:t>
+            </a:r>
+            <a:r>
+              <a:rPr lang="en-US" altLang="zh-CN" dirty="0"/>
+              <a:t>for CD-ROMs and DVD-ROMs. Newer HDDs use 4096-byte (4 KiB) sectors, which are known as the Advanced Format (AF)</a:t>
+            </a:r>
+          </a:p>
+        </p:txBody>
+      </p:sp>
+      <p:pic>
+        <p:nvPicPr>
+          <p:cNvPr id="4" name="Picture 4" descr="“hard disk track”的图片搜索结果">
+            <a:extLst>
+              <a:ext uri="{FF2B5EF4-FFF2-40B4-BE49-F238E27FC236}">
+                <a16:creationId xmlns:a16="http://schemas.microsoft.com/office/drawing/2014/main" id="{9A223B7F-12F3-4B41-9EAC-CBA58E2B9D5F}"/>
+              </a:ext>
+            </a:extLst>
+          </p:cNvPr>
+          <p:cNvPicPr>
+            <a:picLocks noChangeAspect="1" noChangeArrowheads="1"/>
+          </p:cNvPicPr>
+          <p:nvPr/>
+        </p:nvPicPr>
+        <p:blipFill>
+          <a:blip r:embed="rId2">
+            <a:extLst>
+              <a:ext uri="{28A0092B-C50C-407E-A947-70E740481C1C}">
+                <a14:useLocalDpi xmlns:a14="http://schemas.microsoft.com/office/drawing/2010/main" val="0"/>
+              </a:ext>
+            </a:extLst>
+          </a:blip>
+          <a:srcRect/>
+          <a:stretch>
+            <a:fillRect/>
+          </a:stretch>
+        </p:blipFill>
+        <p:spPr bwMode="auto">
+          <a:xfrm>
+            <a:off x="6406259" y="1770559"/>
+            <a:ext cx="4947541" cy="4406404"/>
+          </a:xfrm>
+          <a:prstGeom prst="rect">
+            <a:avLst/>
+          </a:prstGeom>
+          <a:noFill/>
+          <a:extLst>
+            <a:ext uri="{909E8E84-426E-40DD-AFC4-6F175D3DCCD1}">
+              <a14:hiddenFill xmlns:a14="http://schemas.microsoft.com/office/drawing/2010/main">
+                <a:solidFill>
+                  <a:srgbClr val="FFFFFF"/>
+                </a:solidFill>
+              </a14:hiddenFill>
+            </a:ext>
+          </a:extLst>
+        </p:spPr>
+      </p:pic>
     </p:spTree>
     <p:extLst>
       <p:ext uri="{BB962C8B-B14F-4D97-AF65-F5344CB8AC3E}">
-        <p14:creationId xmlns:p14="http://schemas.microsoft.com/office/powerpoint/2010/main" val="2478397498"/>
+        <p14:creationId xmlns:p14="http://schemas.microsoft.com/office/powerpoint/2010/main" val="3258176220"/>
       </p:ext>
     </p:extLst>
   </p:cSld>
   <p:clrMapOvr>
     <a:masterClrMapping/>
   </p:clrMapOvr>
+  <mc:AlternateContent xmlns:mc="http://schemas.openxmlformats.org/markup-compatibility/2006" xmlns:p14="http://schemas.microsoft.com/office/powerpoint/2010/main">
+    <mc:Choice Requires="p14">
+      <p:transition spd="slow" p14:dur="1250">
+        <p14:switch dir="r"/>
+      </p:transition>
+    </mc:Choice>
+    <mc:Fallback xmlns="">
+      <p:transition spd="slow">
+        <p:fade/>
+      </p:transition>
+    </mc:Fallback>
+  </mc:AlternateContent>
 </p:sld>
 </file>
 
 <file path=ppt/slides/slide8.xml><?xml version="1.0" encoding="utf-8"?>
 <p:sld xmlns:a="http://schemas.openxmlformats.org/drawingml/2006/main" xmlns:r="http://schemas.openxmlformats.org/officeDocument/2006/relationships" xmlns:p="http://schemas.openxmlformats.org/presentationml/2006/main">
   <p:cSld>
+    <p:bg>
+      <p:bgPr>
+        <a:solidFill>
+          <a:schemeClr val="tx1"/>
+        </a:solidFill>
+        <a:effectLst/>
+      </p:bgPr>
+    </p:bg>
     <p:spTree>
       <p:nvGrpSpPr>
         <p:cNvPr id="1" name=""/>
@@ -3672,7 +5068,7 @@
           <p:cNvPr id="2" name="标题 1">
             <a:extLst>
               <a:ext uri="{FF2B5EF4-FFF2-40B4-BE49-F238E27FC236}">
-                <a16:creationId xmlns:a16="http://schemas.microsoft.com/office/drawing/2014/main" id="{1F5CA200-FB84-4D68-A967-729604ACC1E4}"/>
+                <a16:creationId xmlns:a16="http://schemas.microsoft.com/office/drawing/2014/main" id="{6F98E154-B825-4C85-81E9-DC10909441B3}"/>
               </a:ext>
             </a:extLst>
           </p:cNvPr>
@@ -3689,10 +5085,18 @@
           <a:lstStyle/>
           <a:p>
             <a:r>
-              <a:rPr lang="en-US" altLang="zh-CN" dirty="0"/>
-              <a:t>Different protocols</a:t>
-            </a:r>
-            <a:endParaRPr lang="zh-CN" altLang="en-US" dirty="0"/>
+              <a:rPr lang="en-US" altLang="zh-CN" dirty="0">
+                <a:solidFill>
+                  <a:schemeClr val="bg1"/>
+                </a:solidFill>
+              </a:rPr>
+              <a:t>How does hard disc work</a:t>
+            </a:r>
+            <a:endParaRPr lang="zh-CN" altLang="en-US" dirty="0">
+              <a:solidFill>
+                <a:schemeClr val="bg1"/>
+              </a:solidFill>
+            </a:endParaRPr>
           </a:p>
         </p:txBody>
       </p:sp>
@@ -3701,7 +5105,7 @@
           <p:cNvPr id="3" name="内容占位符 2">
             <a:extLst>
               <a:ext uri="{FF2B5EF4-FFF2-40B4-BE49-F238E27FC236}">
-                <a16:creationId xmlns:a16="http://schemas.microsoft.com/office/drawing/2014/main" id="{64397613-A3F5-4F60-8991-CAFC5C4825FA}"/>
+                <a16:creationId xmlns:a16="http://schemas.microsoft.com/office/drawing/2014/main" id="{D08D970B-5A9F-4F80-8218-C8834154D4F9}"/>
               </a:ext>
             </a:extLst>
           </p:cNvPr>
@@ -3712,65 +5116,617 @@
             <p:ph idx="1"/>
           </p:nvPr>
         </p:nvSpPr>
-        <p:spPr/>
-        <p:txBody>
-          <a:bodyPr/>
-          <a:lstStyle/>
-          <a:p>
-            <a:r>
-              <a:rPr lang="en-US" altLang="zh-CN" dirty="0"/>
-              <a:t>ATA: Advanced Technology Attachment</a:t>
-            </a:r>
-          </a:p>
-          <a:p>
-            <a:r>
-              <a:rPr lang="en-US" altLang="zh-CN" dirty="0"/>
-              <a:t>IDE: Integrated Drive Electronics</a:t>
-            </a:r>
-          </a:p>
-          <a:p>
-            <a:r>
-              <a:rPr lang="en-US" altLang="zh-CN" dirty="0"/>
-              <a:t>RAID</a:t>
-            </a:r>
-          </a:p>
-          <a:p>
-            <a:r>
-              <a:rPr lang="en-US" altLang="zh-CN" dirty="0"/>
-              <a:t>SATA (I, II, III)</a:t>
-            </a:r>
-          </a:p>
-          <a:p>
-            <a:r>
-              <a:rPr lang="en-US" altLang="zh-CN" dirty="0"/>
-              <a:t>SCSI</a:t>
-            </a:r>
-          </a:p>
-          <a:p>
-            <a:r>
-              <a:rPr lang="en-US" altLang="zh-CN" dirty="0"/>
-              <a:t>Fiber Channel</a:t>
-            </a:r>
-          </a:p>
-          <a:p>
-            <a:r>
-              <a:rPr lang="en-US" altLang="zh-CN" dirty="0"/>
-              <a:t>SAS</a:t>
-            </a:r>
-            <a:endParaRPr lang="zh-CN" altLang="en-US" dirty="0"/>
+        <p:spPr>
+          <a:xfrm>
+            <a:off x="838200" y="1825625"/>
+            <a:ext cx="10515600" cy="4232275"/>
+          </a:xfrm>
+        </p:spPr>
+        <p:txBody>
+          <a:bodyPr>
+            <a:normAutofit/>
+          </a:bodyPr>
+          <a:lstStyle/>
+          <a:p>
+            <a:r>
+              <a:rPr lang="en-US" altLang="zh-CN" dirty="0">
+                <a:solidFill>
+                  <a:schemeClr val="bg1"/>
+                </a:solidFill>
+              </a:rPr>
+              <a:t>Modern hard discs uses magnetic recording to change the direction of magnetization on the disk in order to store bits of data sequentially.</a:t>
+            </a:r>
+          </a:p>
+          <a:p>
+            <a:r>
+              <a:rPr lang="en-US" altLang="zh-CN" dirty="0">
+                <a:solidFill>
+                  <a:schemeClr val="bg1"/>
+                </a:solidFill>
+              </a:rPr>
+              <a:t>This process is done by the magnetic head</a:t>
+            </a:r>
+          </a:p>
+          <a:p>
+            <a:r>
+              <a:rPr lang="en-US" altLang="zh-CN" dirty="0">
+                <a:solidFill>
+                  <a:schemeClr val="bg1"/>
+                </a:solidFill>
+              </a:rPr>
+              <a:t>The disk spin at either 5400 rpm or 7200 rpm</a:t>
+            </a:r>
+          </a:p>
+          <a:p>
+            <a:pPr marL="0" indent="0">
+              <a:buNone/>
+            </a:pPr>
+            <a:r>
+              <a:rPr lang="en-US" altLang="zh-CN" dirty="0">
+                <a:solidFill>
+                  <a:schemeClr val="bg1"/>
+                </a:solidFill>
+              </a:rPr>
+              <a:t>   in most consumer-grade</a:t>
+            </a:r>
+          </a:p>
+          <a:p>
+            <a:pPr marL="0" indent="0">
+              <a:buNone/>
+            </a:pPr>
+            <a:r>
+              <a:rPr lang="en-US" altLang="zh-CN" b="1" i="1" dirty="0">
+                <a:solidFill>
+                  <a:schemeClr val="bg1"/>
+                </a:solidFill>
+              </a:rPr>
+              <a:t>If your computer has a 20 gigabyte (GB) hard drive, or you have a 20 GB iPod or MP3 player, it's a bit like a box containing 160 thousand million microscopically small iron nails</a:t>
+            </a:r>
+          </a:p>
+          <a:p>
+            <a:pPr marL="0" indent="0">
+              <a:buNone/>
+            </a:pPr>
+            <a:endParaRPr lang="en-US" altLang="zh-CN" dirty="0">
+              <a:solidFill>
+                <a:schemeClr val="bg1"/>
+              </a:solidFill>
+            </a:endParaRPr>
           </a:p>
         </p:txBody>
       </p:sp>
     </p:spTree>
     <p:extLst>
       <p:ext uri="{BB962C8B-B14F-4D97-AF65-F5344CB8AC3E}">
-        <p14:creationId xmlns:p14="http://schemas.microsoft.com/office/powerpoint/2010/main" val="626912386"/>
+        <p14:creationId xmlns:p14="http://schemas.microsoft.com/office/powerpoint/2010/main" val="1605132689"/>
       </p:ext>
     </p:extLst>
   </p:cSld>
   <p:clrMapOvr>
     <a:masterClrMapping/>
   </p:clrMapOvr>
+  <mc:AlternateContent xmlns:mc="http://schemas.openxmlformats.org/markup-compatibility/2006" xmlns:p15="http://schemas.microsoft.com/office/powerpoint/2012/main">
+    <mc:Choice Requires="p15">
+      <p:transition xmlns:p14="http://schemas.microsoft.com/office/powerpoint/2010/main" spd="slow" p14:dur="2000">
+        <p15:prstTrans prst="fracture"/>
+      </p:transition>
+    </mc:Choice>
+    <mc:Fallback xmlns="">
+      <p:transition spd="slow">
+        <p:fade/>
+      </p:transition>
+    </mc:Fallback>
+  </mc:AlternateContent>
+  <p:timing>
+    <p:tnLst>
+      <p:par>
+        <p:cTn id="1" dur="indefinite" restart="never" nodeType="tmRoot">
+          <p:childTnLst>
+            <p:seq concurrent="1" nextAc="seek">
+              <p:cTn id="2" dur="indefinite" nodeType="mainSeq">
+                <p:childTnLst>
+                  <p:par>
+                    <p:cTn id="3" fill="hold">
+                      <p:stCondLst>
+                        <p:cond delay="indefinite"/>
+                      </p:stCondLst>
+                      <p:childTnLst>
+                        <p:par>
+                          <p:cTn id="4" fill="hold">
+                            <p:stCondLst>
+                              <p:cond delay="0"/>
+                            </p:stCondLst>
+                            <p:childTnLst>
+                              <p:par>
+                                <p:cTn id="5" presetID="27" presetClass="emph" presetSubtype="0" fill="remove" grpId="0" nodeType="clickEffect">
+                                  <p:stCondLst>
+                                    <p:cond delay="0"/>
+                                  </p:stCondLst>
+                                  <p:childTnLst>
+                                    <p:animClr clrSpc="rgb" dir="cw">
+                                      <p:cBhvr override="childStyle">
+                                        <p:cTn id="6" dur="250" autoRev="1" fill="remove"/>
+                                        <p:tgtEl>
+                                          <p:spTgt spid="3">
+                                            <p:txEl>
+                                              <p:pRg st="0" end="0"/>
+                                            </p:txEl>
+                                          </p:spTgt>
+                                        </p:tgtEl>
+                                        <p:attrNameLst>
+                                          <p:attrName>style.color</p:attrName>
+                                        </p:attrNameLst>
+                                      </p:cBhvr>
+                                      <p:to>
+                                        <a:schemeClr val="bg1"/>
+                                      </p:to>
+                                    </p:animClr>
+                                    <p:animClr clrSpc="rgb" dir="cw">
+                                      <p:cBhvr>
+                                        <p:cTn id="7" dur="250" autoRev="1" fill="remove"/>
+                                        <p:tgtEl>
+                                          <p:spTgt spid="3">
+                                            <p:txEl>
+                                              <p:pRg st="0" end="0"/>
+                                            </p:txEl>
+                                          </p:spTgt>
+                                        </p:tgtEl>
+                                        <p:attrNameLst>
+                                          <p:attrName>fillcolor</p:attrName>
+                                        </p:attrNameLst>
+                                      </p:cBhvr>
+                                      <p:to>
+                                        <a:schemeClr val="bg1"/>
+                                      </p:to>
+                                    </p:animClr>
+                                    <p:set>
+                                      <p:cBhvr>
+                                        <p:cTn id="8" dur="250" autoRev="1" fill="remove"/>
+                                        <p:tgtEl>
+                                          <p:spTgt spid="3">
+                                            <p:txEl>
+                                              <p:pRg st="0" end="0"/>
+                                            </p:txEl>
+                                          </p:spTgt>
+                                        </p:tgtEl>
+                                        <p:attrNameLst>
+                                          <p:attrName>fill.type</p:attrName>
+                                        </p:attrNameLst>
+                                      </p:cBhvr>
+                                      <p:to>
+                                        <p:strVal val="solid"/>
+                                      </p:to>
+                                    </p:set>
+                                    <p:set>
+                                      <p:cBhvr>
+                                        <p:cTn id="9" dur="250" autoRev="1" fill="remove"/>
+                                        <p:tgtEl>
+                                          <p:spTgt spid="3">
+                                            <p:txEl>
+                                              <p:pRg st="0" end="0"/>
+                                            </p:txEl>
+                                          </p:spTgt>
+                                        </p:tgtEl>
+                                        <p:attrNameLst>
+                                          <p:attrName>fill.on</p:attrName>
+                                        </p:attrNameLst>
+                                      </p:cBhvr>
+                                      <p:to>
+                                        <p:strVal val="true"/>
+                                      </p:to>
+                                    </p:set>
+                                  </p:childTnLst>
+                                </p:cTn>
+                              </p:par>
+                            </p:childTnLst>
+                          </p:cTn>
+                        </p:par>
+                      </p:childTnLst>
+                    </p:cTn>
+                  </p:par>
+                  <p:par>
+                    <p:cTn id="10" fill="hold">
+                      <p:stCondLst>
+                        <p:cond delay="indefinite"/>
+                      </p:stCondLst>
+                      <p:childTnLst>
+                        <p:par>
+                          <p:cTn id="11" fill="hold">
+                            <p:stCondLst>
+                              <p:cond delay="0"/>
+                            </p:stCondLst>
+                            <p:childTnLst>
+                              <p:par>
+                                <p:cTn id="12" presetID="27" presetClass="emph" presetSubtype="0" fill="remove" grpId="0" nodeType="clickEffect">
+                                  <p:stCondLst>
+                                    <p:cond delay="0"/>
+                                  </p:stCondLst>
+                                  <p:childTnLst>
+                                    <p:animClr clrSpc="rgb" dir="cw">
+                                      <p:cBhvr override="childStyle">
+                                        <p:cTn id="13" dur="250" autoRev="1" fill="remove"/>
+                                        <p:tgtEl>
+                                          <p:spTgt spid="3">
+                                            <p:txEl>
+                                              <p:pRg st="1" end="1"/>
+                                            </p:txEl>
+                                          </p:spTgt>
+                                        </p:tgtEl>
+                                        <p:attrNameLst>
+                                          <p:attrName>style.color</p:attrName>
+                                        </p:attrNameLst>
+                                      </p:cBhvr>
+                                      <p:to>
+                                        <a:schemeClr val="bg1"/>
+                                      </p:to>
+                                    </p:animClr>
+                                    <p:animClr clrSpc="rgb" dir="cw">
+                                      <p:cBhvr>
+                                        <p:cTn id="14" dur="250" autoRev="1" fill="remove"/>
+                                        <p:tgtEl>
+                                          <p:spTgt spid="3">
+                                            <p:txEl>
+                                              <p:pRg st="1" end="1"/>
+                                            </p:txEl>
+                                          </p:spTgt>
+                                        </p:tgtEl>
+                                        <p:attrNameLst>
+                                          <p:attrName>fillcolor</p:attrName>
+                                        </p:attrNameLst>
+                                      </p:cBhvr>
+                                      <p:to>
+                                        <a:schemeClr val="bg1"/>
+                                      </p:to>
+                                    </p:animClr>
+                                    <p:set>
+                                      <p:cBhvr>
+                                        <p:cTn id="15" dur="250" autoRev="1" fill="remove"/>
+                                        <p:tgtEl>
+                                          <p:spTgt spid="3">
+                                            <p:txEl>
+                                              <p:pRg st="1" end="1"/>
+                                            </p:txEl>
+                                          </p:spTgt>
+                                        </p:tgtEl>
+                                        <p:attrNameLst>
+                                          <p:attrName>fill.type</p:attrName>
+                                        </p:attrNameLst>
+                                      </p:cBhvr>
+                                      <p:to>
+                                        <p:strVal val="solid"/>
+                                      </p:to>
+                                    </p:set>
+                                    <p:set>
+                                      <p:cBhvr>
+                                        <p:cTn id="16" dur="250" autoRev="1" fill="remove"/>
+                                        <p:tgtEl>
+                                          <p:spTgt spid="3">
+                                            <p:txEl>
+                                              <p:pRg st="1" end="1"/>
+                                            </p:txEl>
+                                          </p:spTgt>
+                                        </p:tgtEl>
+                                        <p:attrNameLst>
+                                          <p:attrName>fill.on</p:attrName>
+                                        </p:attrNameLst>
+                                      </p:cBhvr>
+                                      <p:to>
+                                        <p:strVal val="true"/>
+                                      </p:to>
+                                    </p:set>
+                                  </p:childTnLst>
+                                </p:cTn>
+                              </p:par>
+                            </p:childTnLst>
+                          </p:cTn>
+                        </p:par>
+                      </p:childTnLst>
+                    </p:cTn>
+                  </p:par>
+                  <p:par>
+                    <p:cTn id="17" fill="hold">
+                      <p:stCondLst>
+                        <p:cond delay="indefinite"/>
+                      </p:stCondLst>
+                      <p:childTnLst>
+                        <p:par>
+                          <p:cTn id="18" fill="hold">
+                            <p:stCondLst>
+                              <p:cond delay="0"/>
+                            </p:stCondLst>
+                            <p:childTnLst>
+                              <p:par>
+                                <p:cTn id="19" presetID="27" presetClass="emph" presetSubtype="0" fill="remove" grpId="0" nodeType="clickEffect">
+                                  <p:stCondLst>
+                                    <p:cond delay="0"/>
+                                  </p:stCondLst>
+                                  <p:childTnLst>
+                                    <p:animClr clrSpc="rgb" dir="cw">
+                                      <p:cBhvr override="childStyle">
+                                        <p:cTn id="20" dur="250" autoRev="1" fill="remove"/>
+                                        <p:tgtEl>
+                                          <p:spTgt spid="3">
+                                            <p:txEl>
+                                              <p:pRg st="2" end="2"/>
+                                            </p:txEl>
+                                          </p:spTgt>
+                                        </p:tgtEl>
+                                        <p:attrNameLst>
+                                          <p:attrName>style.color</p:attrName>
+                                        </p:attrNameLst>
+                                      </p:cBhvr>
+                                      <p:to>
+                                        <a:schemeClr val="bg1"/>
+                                      </p:to>
+                                    </p:animClr>
+                                    <p:animClr clrSpc="rgb" dir="cw">
+                                      <p:cBhvr>
+                                        <p:cTn id="21" dur="250" autoRev="1" fill="remove"/>
+                                        <p:tgtEl>
+                                          <p:spTgt spid="3">
+                                            <p:txEl>
+                                              <p:pRg st="2" end="2"/>
+                                            </p:txEl>
+                                          </p:spTgt>
+                                        </p:tgtEl>
+                                        <p:attrNameLst>
+                                          <p:attrName>fillcolor</p:attrName>
+                                        </p:attrNameLst>
+                                      </p:cBhvr>
+                                      <p:to>
+                                        <a:schemeClr val="bg1"/>
+                                      </p:to>
+                                    </p:animClr>
+                                    <p:set>
+                                      <p:cBhvr>
+                                        <p:cTn id="22" dur="250" autoRev="1" fill="remove"/>
+                                        <p:tgtEl>
+                                          <p:spTgt spid="3">
+                                            <p:txEl>
+                                              <p:pRg st="2" end="2"/>
+                                            </p:txEl>
+                                          </p:spTgt>
+                                        </p:tgtEl>
+                                        <p:attrNameLst>
+                                          <p:attrName>fill.type</p:attrName>
+                                        </p:attrNameLst>
+                                      </p:cBhvr>
+                                      <p:to>
+                                        <p:strVal val="solid"/>
+                                      </p:to>
+                                    </p:set>
+                                    <p:set>
+                                      <p:cBhvr>
+                                        <p:cTn id="23" dur="250" autoRev="1" fill="remove"/>
+                                        <p:tgtEl>
+                                          <p:spTgt spid="3">
+                                            <p:txEl>
+                                              <p:pRg st="2" end="2"/>
+                                            </p:txEl>
+                                          </p:spTgt>
+                                        </p:tgtEl>
+                                        <p:attrNameLst>
+                                          <p:attrName>fill.on</p:attrName>
+                                        </p:attrNameLst>
+                                      </p:cBhvr>
+                                      <p:to>
+                                        <p:strVal val="true"/>
+                                      </p:to>
+                                    </p:set>
+                                  </p:childTnLst>
+                                </p:cTn>
+                              </p:par>
+                              <p:par>
+                                <p:cTn id="24" presetID="27" presetClass="emph" presetSubtype="0" fill="remove" grpId="0" nodeType="withEffect">
+                                  <p:stCondLst>
+                                    <p:cond delay="0"/>
+                                  </p:stCondLst>
+                                  <p:childTnLst>
+                                    <p:animClr clrSpc="rgb" dir="cw">
+                                      <p:cBhvr override="childStyle">
+                                        <p:cTn id="25" dur="250" autoRev="1" fill="remove"/>
+                                        <p:tgtEl>
+                                          <p:spTgt spid="3">
+                                            <p:txEl>
+                                              <p:pRg st="3" end="3"/>
+                                            </p:txEl>
+                                          </p:spTgt>
+                                        </p:tgtEl>
+                                        <p:attrNameLst>
+                                          <p:attrName>style.color</p:attrName>
+                                        </p:attrNameLst>
+                                      </p:cBhvr>
+                                      <p:to>
+                                        <a:schemeClr val="bg1"/>
+                                      </p:to>
+                                    </p:animClr>
+                                    <p:animClr clrSpc="rgb" dir="cw">
+                                      <p:cBhvr>
+                                        <p:cTn id="26" dur="250" autoRev="1" fill="remove"/>
+                                        <p:tgtEl>
+                                          <p:spTgt spid="3">
+                                            <p:txEl>
+                                              <p:pRg st="3" end="3"/>
+                                            </p:txEl>
+                                          </p:spTgt>
+                                        </p:tgtEl>
+                                        <p:attrNameLst>
+                                          <p:attrName>fillcolor</p:attrName>
+                                        </p:attrNameLst>
+                                      </p:cBhvr>
+                                      <p:to>
+                                        <a:schemeClr val="bg1"/>
+                                      </p:to>
+                                    </p:animClr>
+                                    <p:set>
+                                      <p:cBhvr>
+                                        <p:cTn id="27" dur="250" autoRev="1" fill="remove"/>
+                                        <p:tgtEl>
+                                          <p:spTgt spid="3">
+                                            <p:txEl>
+                                              <p:pRg st="3" end="3"/>
+                                            </p:txEl>
+                                          </p:spTgt>
+                                        </p:tgtEl>
+                                        <p:attrNameLst>
+                                          <p:attrName>fill.type</p:attrName>
+                                        </p:attrNameLst>
+                                      </p:cBhvr>
+                                      <p:to>
+                                        <p:strVal val="solid"/>
+                                      </p:to>
+                                    </p:set>
+                                    <p:set>
+                                      <p:cBhvr>
+                                        <p:cTn id="28" dur="250" autoRev="1" fill="remove"/>
+                                        <p:tgtEl>
+                                          <p:spTgt spid="3">
+                                            <p:txEl>
+                                              <p:pRg st="3" end="3"/>
+                                            </p:txEl>
+                                          </p:spTgt>
+                                        </p:tgtEl>
+                                        <p:attrNameLst>
+                                          <p:attrName>fill.on</p:attrName>
+                                        </p:attrNameLst>
+                                      </p:cBhvr>
+                                      <p:to>
+                                        <p:strVal val="true"/>
+                                      </p:to>
+                                    </p:set>
+                                  </p:childTnLst>
+                                </p:cTn>
+                              </p:par>
+                            </p:childTnLst>
+                          </p:cTn>
+                        </p:par>
+                      </p:childTnLst>
+                    </p:cTn>
+                  </p:par>
+                  <p:par>
+                    <p:cTn id="29" fill="hold">
+                      <p:stCondLst>
+                        <p:cond delay="indefinite"/>
+                      </p:stCondLst>
+                      <p:childTnLst>
+                        <p:par>
+                          <p:cTn id="30" fill="hold">
+                            <p:stCondLst>
+                              <p:cond delay="0"/>
+                            </p:stCondLst>
+                            <p:childTnLst>
+                              <p:par>
+                                <p:cTn id="31" presetID="27" presetClass="emph" presetSubtype="0" fill="remove" grpId="0" nodeType="clickEffect">
+                                  <p:stCondLst>
+                                    <p:cond delay="0"/>
+                                  </p:stCondLst>
+                                  <p:childTnLst>
+                                    <p:animClr clrSpc="rgb" dir="cw">
+                                      <p:cBhvr override="childStyle">
+                                        <p:cTn id="32" dur="250" autoRev="1" fill="remove"/>
+                                        <p:tgtEl>
+                                          <p:spTgt spid="3">
+                                            <p:txEl>
+                                              <p:pRg st="4" end="4"/>
+                                            </p:txEl>
+                                          </p:spTgt>
+                                        </p:tgtEl>
+                                        <p:attrNameLst>
+                                          <p:attrName>style.color</p:attrName>
+                                        </p:attrNameLst>
+                                      </p:cBhvr>
+                                      <p:to>
+                                        <a:schemeClr val="bg1"/>
+                                      </p:to>
+                                    </p:animClr>
+                                    <p:animClr clrSpc="rgb" dir="cw">
+                                      <p:cBhvr>
+                                        <p:cTn id="33" dur="250" autoRev="1" fill="remove"/>
+                                        <p:tgtEl>
+                                          <p:spTgt spid="3">
+                                            <p:txEl>
+                                              <p:pRg st="4" end="4"/>
+                                            </p:txEl>
+                                          </p:spTgt>
+                                        </p:tgtEl>
+                                        <p:attrNameLst>
+                                          <p:attrName>fillcolor</p:attrName>
+                                        </p:attrNameLst>
+                                      </p:cBhvr>
+                                      <p:to>
+                                        <a:schemeClr val="bg1"/>
+                                      </p:to>
+                                    </p:animClr>
+                                    <p:set>
+                                      <p:cBhvr>
+                                        <p:cTn id="34" dur="250" autoRev="1" fill="remove"/>
+                                        <p:tgtEl>
+                                          <p:spTgt spid="3">
+                                            <p:txEl>
+                                              <p:pRg st="4" end="4"/>
+                                            </p:txEl>
+                                          </p:spTgt>
+                                        </p:tgtEl>
+                                        <p:attrNameLst>
+                                          <p:attrName>fill.type</p:attrName>
+                                        </p:attrNameLst>
+                                      </p:cBhvr>
+                                      <p:to>
+                                        <p:strVal val="solid"/>
+                                      </p:to>
+                                    </p:set>
+                                    <p:set>
+                                      <p:cBhvr>
+                                        <p:cTn id="35" dur="250" autoRev="1" fill="remove"/>
+                                        <p:tgtEl>
+                                          <p:spTgt spid="3">
+                                            <p:txEl>
+                                              <p:pRg st="4" end="4"/>
+                                            </p:txEl>
+                                          </p:spTgt>
+                                        </p:tgtEl>
+                                        <p:attrNameLst>
+                                          <p:attrName>fill.on</p:attrName>
+                                        </p:attrNameLst>
+                                      </p:cBhvr>
+                                      <p:to>
+                                        <p:strVal val="true"/>
+                                      </p:to>
+                                    </p:set>
+                                  </p:childTnLst>
+                                </p:cTn>
+                              </p:par>
+                            </p:childTnLst>
+                          </p:cTn>
+                        </p:par>
+                      </p:childTnLst>
+                    </p:cTn>
+                  </p:par>
+                </p:childTnLst>
+              </p:cTn>
+              <p:prevCondLst>
+                <p:cond evt="onPrev" delay="0">
+                  <p:tgtEl>
+                    <p:sldTgt/>
+                  </p:tgtEl>
+                </p:cond>
+              </p:prevCondLst>
+              <p:nextCondLst>
+                <p:cond evt="onNext" delay="0">
+                  <p:tgtEl>
+                    <p:sldTgt/>
+                  </p:tgtEl>
+                </p:cond>
+              </p:nextCondLst>
+            </p:seq>
+          </p:childTnLst>
+        </p:cTn>
+      </p:par>
+    </p:tnLst>
+    <p:bldLst>
+      <p:bldP spid="3" grpId="0" uiExpand="1" build="p"/>
+    </p:bldLst>
+  </p:timing>
 </p:sld>
 </file>
 
@@ -3793,50 +5749,90 @@
       </p:grpSpPr>
       <p:sp>
         <p:nvSpPr>
-          <p:cNvPr id="4" name="文本框 3">
+          <p:cNvPr id="2" name="标题 1">
             <a:extLst>
               <a:ext uri="{FF2B5EF4-FFF2-40B4-BE49-F238E27FC236}">
-                <a16:creationId xmlns:a16="http://schemas.microsoft.com/office/drawing/2014/main" id="{ED055D2C-3B83-4628-AC93-8511923F6635}"/>
+                <a16:creationId xmlns:a16="http://schemas.microsoft.com/office/drawing/2014/main" id="{7D018865-D8D7-475C-A7E7-7FA310D7157B}"/>
               </a:ext>
             </a:extLst>
           </p:cNvPr>
-          <p:cNvSpPr txBox="1"/>
-          <p:nvPr/>
-        </p:nvSpPr>
+          <p:cNvSpPr>
+            <a:spLocks noGrp="1"/>
+          </p:cNvSpPr>
+          <p:nvPr>
+            <p:ph type="title"/>
+          </p:nvPr>
+        </p:nvSpPr>
+        <p:spPr/>
+        <p:txBody>
+          <a:bodyPr/>
+          <a:lstStyle/>
+          <a:p>
+            <a:r>
+              <a:rPr lang="en-US" altLang="zh-CN" dirty="0"/>
+              <a:t>Defragmentation</a:t>
+            </a:r>
+            <a:endParaRPr lang="zh-CN" altLang="en-US" dirty="0"/>
+          </a:p>
+        </p:txBody>
+      </p:sp>
+      <p:pic>
+        <p:nvPicPr>
+          <p:cNvPr id="6" name="内容占位符 5">
+            <a:extLst>
+              <a:ext uri="{FF2B5EF4-FFF2-40B4-BE49-F238E27FC236}">
+                <a16:creationId xmlns:a16="http://schemas.microsoft.com/office/drawing/2014/main" id="{4DB8C5D0-5CF1-458A-AC30-E3F0CDFB192B}"/>
+              </a:ext>
+            </a:extLst>
+          </p:cNvPr>
+          <p:cNvPicPr>
+            <a:picLocks noGrp="1" noChangeAspect="1"/>
+          </p:cNvPicPr>
+          <p:nvPr>
+            <p:ph idx="1"/>
+          </p:nvPr>
+        </p:nvPicPr>
+        <p:blipFill>
+          <a:blip r:embed="rId2">
+            <a:extLst>
+              <a:ext uri="{28A0092B-C50C-407E-A947-70E740481C1C}">
+                <a14:useLocalDpi xmlns:a14="http://schemas.microsoft.com/office/drawing/2010/main" val="0"/>
+              </a:ext>
+            </a:extLst>
+          </a:blip>
+          <a:stretch>
+            <a:fillRect/>
+          </a:stretch>
+        </p:blipFill>
         <p:spPr>
           <a:xfrm>
-            <a:off x="1612776" y="2556769"/>
-            <a:ext cx="8966447" cy="1323439"/>
+            <a:off x="2857500" y="1690687"/>
+            <a:ext cx="6002734" cy="4802187"/>
           </a:xfrm>
-          <a:prstGeom prst="rect">
-            <a:avLst/>
-          </a:prstGeom>
-          <a:noFill/>
         </p:spPr>
-        <p:txBody>
-          <a:bodyPr wrap="square" rtlCol="0">
-            <a:spAutoFit/>
-          </a:bodyPr>
-          <a:lstStyle/>
-          <a:p>
-            <a:r>
-              <a:rPr lang="en-US" altLang="zh-CN" sz="8000" dirty="0"/>
-              <a:t>Thanks for watching</a:t>
-            </a:r>
-            <a:endParaRPr lang="zh-CN" altLang="en-US" sz="8000" dirty="0"/>
-          </a:p>
-        </p:txBody>
-      </p:sp>
+      </p:pic>
     </p:spTree>
     <p:extLst>
       <p:ext uri="{BB962C8B-B14F-4D97-AF65-F5344CB8AC3E}">
-        <p14:creationId xmlns:p14="http://schemas.microsoft.com/office/powerpoint/2010/main" val="789330875"/>
+        <p14:creationId xmlns:p14="http://schemas.microsoft.com/office/powerpoint/2010/main" val="1451197604"/>
       </p:ext>
     </p:extLst>
   </p:cSld>
   <p:clrMapOvr>
     <a:masterClrMapping/>
   </p:clrMapOvr>
+  <mc:AlternateContent xmlns:mc="http://schemas.openxmlformats.org/markup-compatibility/2006" xmlns:p14="http://schemas.microsoft.com/office/powerpoint/2010/main">
+    <mc:Choice Requires="p14">
+      <p:transition spd="slow" p14:dur="1200">
+        <p14:prism/>
+      </p:transition>
+    </mc:Choice>
+    <mc:Fallback xmlns="">
+      <p:transition spd="slow">
+        <p:fade/>
+      </p:transition>
+    </mc:Fallback>
+  </mc:AlternateContent>
 </p:sld>
 </file>
 
@@ -4095,7 +6091,7 @@
   <a:extraClrSchemeLst/>
   <a:extLst>
     <a:ext uri="{05A4C25C-085E-4340-85A3-A5531E510DB2}">
-      <thm15:themeFamily xmlns:thm15="http://schemas.microsoft.com/office/thememl/2012/main" name="Office Theme" id="{62F939B6-93AF-4DB8-9C6B-D6C7DFDC589F}" vid="{4F46216B-77A9-411A-B9D3-5023FCB70208}"/>
+      <thm15:themeFamily xmlns:thm15="http://schemas.microsoft.com/office/thememl/2012/main" name="Office Theme" id="{62F939B6-93AF-4DB8-9C6B-D6C7DFDC589F}" vid="{4A3C46E8-61CC-4603-A589-7422A47A8E4A}"/>
     </a:ext>
   </a:extLst>
 </a:theme>
